--- a/src/Final write up.pptx
+++ b/src/Final write up.pptx
@@ -6,7 +6,11 @@
   </p:sldMasterIdLst>
   <p:sldIdLst>
     <p:sldId id="256" r:id="rId2"/>
-    <p:sldId id="257" r:id="rId3"/>
+    <p:sldId id="261" r:id="rId3"/>
+    <p:sldId id="258" r:id="rId4"/>
+    <p:sldId id="259" r:id="rId5"/>
+    <p:sldId id="260" r:id="rId6"/>
+    <p:sldId id="262" r:id="rId7"/>
   </p:sldIdLst>
   <p:sldSz cx="9144000" cy="6858000" type="screen4x3"/>
   <p:notesSz cx="6858000" cy="9144000"/>
@@ -3560,76 +3564,1434 @@
           <a:chExt cx="0" cy="0"/>
         </a:xfrm>
       </p:grpSpPr>
-      <p:sp>
-        <p:nvSpPr>
-          <p:cNvPr id="3" name="内容占位符 2"/>
-          <p:cNvSpPr>
-            <a:spLocks noGrp="1"/>
-          </p:cNvSpPr>
-          <p:nvPr>
-            <p:ph idx="1"/>
-          </p:nvPr>
-        </p:nvSpPr>
-        <p:spPr/>
-        <p:txBody>
-          <a:bodyPr/>
-          <a:lstStyle/>
-          <a:p>
-            <a:r>
-              <a:rPr lang="en-US" dirty="0" smtClean="0"/>
-              <a:t>1. One slide </a:t>
-            </a:r>
-            <a:r>
-              <a:rPr lang="en-US" dirty="0" err="1" smtClean="0"/>
-              <a:t>backgroud</a:t>
-            </a:r>
-            <a:endParaRPr lang="en-US" dirty="0" smtClean="0"/>
-          </a:p>
-          <a:p>
-            <a:r>
-              <a:rPr lang="en-US" dirty="0" smtClean="0"/>
-              <a:t>2. One slide </a:t>
-            </a:r>
-            <a:r>
-              <a:rPr lang="en-US" dirty="0" err="1" smtClean="0"/>
-              <a:t>raytracer</a:t>
-            </a:r>
-            <a:endParaRPr lang="en-US" dirty="0" smtClean="0"/>
-          </a:p>
-          <a:p>
-            <a:r>
-              <a:rPr lang="en-US" dirty="0" smtClean="0"/>
-              <a:t>3. One slide for instant </a:t>
-            </a:r>
-            <a:r>
-              <a:rPr lang="en-US" dirty="0" err="1" smtClean="0"/>
+      <p:cxnSp>
+        <p:nvCxnSpPr>
+          <p:cNvPr id="4" name="直接连接符 3"/>
+          <p:cNvCxnSpPr/>
+          <p:nvPr/>
+        </p:nvCxnSpPr>
+        <p:spPr>
+          <a:xfrm>
+            <a:off x="0" y="692696"/>
+            <a:ext cx="9144000" cy="72008"/>
+          </a:xfrm>
+          <a:prstGeom prst="line">
+            <a:avLst/>
+          </a:prstGeom>
+        </p:spPr>
+        <p:style>
+          <a:lnRef idx="1">
+            <a:schemeClr val="accent1"/>
+          </a:lnRef>
+          <a:fillRef idx="0">
+            <a:schemeClr val="accent1"/>
+          </a:fillRef>
+          <a:effectRef idx="0">
+            <a:schemeClr val="accent1"/>
+          </a:effectRef>
+          <a:fontRef idx="minor">
+            <a:schemeClr val="tx1"/>
+          </a:fontRef>
+        </p:style>
+      </p:cxnSp>
+      <p:sp>
+        <p:nvSpPr>
+          <p:cNvPr id="5" name="TextBox 4"/>
+          <p:cNvSpPr txBox="1"/>
+          <p:nvPr/>
+        </p:nvSpPr>
+        <p:spPr>
+          <a:xfrm>
+            <a:off x="3275856" y="116632"/>
+            <a:ext cx="6084168" cy="584775"/>
+          </a:xfrm>
+          <a:prstGeom prst="rect">
+            <a:avLst/>
+          </a:prstGeom>
+          <a:noFill/>
+        </p:spPr>
+        <p:txBody>
+          <a:bodyPr wrap="square" rtlCol="0">
+            <a:spAutoFit/>
+          </a:bodyPr>
+          <a:lstStyle/>
+          <a:p>
+            <a:r>
+              <a:rPr lang="en-US" sz="3200" b="1" dirty="0" smtClean="0">
+                <a:ln w="10541" cmpd="sng">
+                  <a:solidFill>
+                    <a:schemeClr val="accent1">
+                      <a:shade val="88000"/>
+                      <a:satMod val="110000"/>
+                    </a:schemeClr>
+                  </a:solidFill>
+                  <a:prstDash val="solid"/>
+                </a:ln>
+                <a:gradFill>
+                  <a:gsLst>
+                    <a:gs pos="0">
+                      <a:schemeClr val="accent1">
+                        <a:tint val="40000"/>
+                        <a:satMod val="250000"/>
+                      </a:schemeClr>
+                    </a:gs>
+                    <a:gs pos="9000">
+                      <a:schemeClr val="accent1">
+                        <a:tint val="52000"/>
+                        <a:satMod val="300000"/>
+                      </a:schemeClr>
+                    </a:gs>
+                    <a:gs pos="50000">
+                      <a:schemeClr val="accent1">
+                        <a:shade val="20000"/>
+                        <a:satMod val="300000"/>
+                      </a:schemeClr>
+                    </a:gs>
+                    <a:gs pos="79000">
+                      <a:schemeClr val="accent1">
+                        <a:tint val="52000"/>
+                        <a:satMod val="300000"/>
+                      </a:schemeClr>
+                    </a:gs>
+                    <a:gs pos="100000">
+                      <a:schemeClr val="accent1">
+                        <a:tint val="40000"/>
+                        <a:satMod val="250000"/>
+                      </a:schemeClr>
+                    </a:gs>
+                  </a:gsLst>
+                  <a:lin ang="5400000"/>
+                </a:gradFill>
+              </a:rPr>
+              <a:t>Instant </a:t>
+            </a:r>
+            <a:r>
+              <a:rPr lang="en-US" sz="3200" b="1" dirty="0" err="1" smtClean="0">
+                <a:ln w="10541" cmpd="sng">
+                  <a:solidFill>
+                    <a:schemeClr val="accent1">
+                      <a:shade val="88000"/>
+                      <a:satMod val="110000"/>
+                    </a:schemeClr>
+                  </a:solidFill>
+                  <a:prstDash val="solid"/>
+                </a:ln>
+                <a:gradFill>
+                  <a:gsLst>
+                    <a:gs pos="0">
+                      <a:schemeClr val="accent1">
+                        <a:tint val="40000"/>
+                        <a:satMod val="250000"/>
+                      </a:schemeClr>
+                    </a:gs>
+                    <a:gs pos="9000">
+                      <a:schemeClr val="accent1">
+                        <a:tint val="52000"/>
+                        <a:satMod val="300000"/>
+                      </a:schemeClr>
+                    </a:gs>
+                    <a:gs pos="50000">
+                      <a:schemeClr val="accent1">
+                        <a:shade val="20000"/>
+                        <a:satMod val="300000"/>
+                      </a:schemeClr>
+                    </a:gs>
+                    <a:gs pos="79000">
+                      <a:schemeClr val="accent1">
+                        <a:tint val="52000"/>
+                        <a:satMod val="300000"/>
+                      </a:schemeClr>
+                    </a:gs>
+                    <a:gs pos="100000">
+                      <a:schemeClr val="accent1">
+                        <a:tint val="40000"/>
+                        <a:satMod val="250000"/>
+                      </a:schemeClr>
+                    </a:gs>
+                  </a:gsLst>
+                  <a:lin ang="5400000"/>
+                </a:gradFill>
+              </a:rPr>
+              <a:t>Radiosity</a:t>
+            </a:r>
+            <a:r>
+              <a:rPr lang="en-US" sz="3200" b="1" dirty="0" smtClean="0">
+                <a:ln w="10541" cmpd="sng">
+                  <a:solidFill>
+                    <a:schemeClr val="accent1">
+                      <a:shade val="88000"/>
+                      <a:satMod val="110000"/>
+                    </a:schemeClr>
+                  </a:solidFill>
+                  <a:prstDash val="solid"/>
+                </a:ln>
+                <a:gradFill>
+                  <a:gsLst>
+                    <a:gs pos="0">
+                      <a:schemeClr val="accent1">
+                        <a:tint val="40000"/>
+                        <a:satMod val="250000"/>
+                      </a:schemeClr>
+                    </a:gs>
+                    <a:gs pos="9000">
+                      <a:schemeClr val="accent1">
+                        <a:tint val="52000"/>
+                        <a:satMod val="300000"/>
+                      </a:schemeClr>
+                    </a:gs>
+                    <a:gs pos="50000">
+                      <a:schemeClr val="accent1">
+                        <a:shade val="20000"/>
+                        <a:satMod val="300000"/>
+                      </a:schemeClr>
+                    </a:gs>
+                    <a:gs pos="79000">
+                      <a:schemeClr val="accent1">
+                        <a:tint val="52000"/>
+                        <a:satMod val="300000"/>
+                      </a:schemeClr>
+                    </a:gs>
+                    <a:gs pos="100000">
+                      <a:schemeClr val="accent1">
+                        <a:tint val="40000"/>
+                        <a:satMod val="250000"/>
+                      </a:schemeClr>
+                    </a:gs>
+                  </a:gsLst>
+                  <a:lin ang="5400000"/>
+                </a:gradFill>
+              </a:rPr>
+              <a:t> Introduction</a:t>
+            </a:r>
+            <a:endParaRPr lang="en-US" sz="3200" b="1" dirty="0">
+              <a:ln w="10541" cmpd="sng">
+                <a:solidFill>
+                  <a:schemeClr val="accent1">
+                    <a:shade val="88000"/>
+                    <a:satMod val="110000"/>
+                  </a:schemeClr>
+                </a:solidFill>
+                <a:prstDash val="solid"/>
+              </a:ln>
+              <a:gradFill>
+                <a:gsLst>
+                  <a:gs pos="0">
+                    <a:schemeClr val="accent1">
+                      <a:tint val="40000"/>
+                      <a:satMod val="250000"/>
+                    </a:schemeClr>
+                  </a:gs>
+                  <a:gs pos="9000">
+                    <a:schemeClr val="accent1">
+                      <a:tint val="52000"/>
+                      <a:satMod val="300000"/>
+                    </a:schemeClr>
+                  </a:gs>
+                  <a:gs pos="50000">
+                    <a:schemeClr val="accent1">
+                      <a:shade val="20000"/>
+                      <a:satMod val="300000"/>
+                    </a:schemeClr>
+                  </a:gs>
+                  <a:gs pos="79000">
+                    <a:schemeClr val="accent1">
+                      <a:tint val="52000"/>
+                      <a:satMod val="300000"/>
+                    </a:schemeClr>
+                  </a:gs>
+                  <a:gs pos="100000">
+                    <a:schemeClr val="accent1">
+                      <a:tint val="40000"/>
+                      <a:satMod val="250000"/>
+                    </a:schemeClr>
+                  </a:gs>
+                </a:gsLst>
+                <a:lin ang="5400000"/>
+              </a:gradFill>
+            </a:endParaRPr>
+          </a:p>
+        </p:txBody>
+      </p:sp>
+      <p:sp>
+        <p:nvSpPr>
+          <p:cNvPr id="9" name="TextBox 8"/>
+          <p:cNvSpPr txBox="1"/>
+          <p:nvPr/>
+        </p:nvSpPr>
+        <p:spPr>
+          <a:xfrm>
+            <a:off x="281826" y="4581128"/>
+            <a:ext cx="8738717" cy="1908215"/>
+          </a:xfrm>
+          <a:prstGeom prst="rect">
+            <a:avLst/>
+          </a:prstGeom>
+          <a:noFill/>
+        </p:spPr>
+        <p:txBody>
+          <a:bodyPr wrap="square" rtlCol="0">
+            <a:spAutoFit/>
+          </a:bodyPr>
+          <a:lstStyle/>
+          <a:p>
+            <a:r>
+              <a:rPr lang="en-US" sz="2800" b="1" dirty="0" smtClean="0"/>
+              <a:t>Instant </a:t>
+            </a:r>
+            <a:r>
+              <a:rPr lang="en-US" sz="2800" b="1" dirty="0" err="1" smtClean="0"/>
+              <a:t>Radiostiy</a:t>
+            </a:r>
+            <a:r>
+              <a:rPr lang="en-US" sz="2800" b="1" dirty="0" smtClean="0"/>
+              <a:t> </a:t>
+            </a:r>
+            <a:r>
+              <a:rPr lang="en-US" b="1" dirty="0" smtClean="0"/>
+              <a:t>is a global illumination algorithm in the sense that the illumination arriving at the eye comes not just the light sources, but all the scene surfaces interacting with each other as well. This algorithm has many advantages, for example, easy implementation, converge fast than other global illumination algorithm, low discrepancy and viewpoint independent. And scholar  </a:t>
+            </a:r>
+            <a:r>
+              <a:rPr lang="en-US" b="1" dirty="0" err="1" smtClean="0"/>
+              <a:t>Alxendar</a:t>
+            </a:r>
+            <a:r>
+              <a:rPr lang="en-US" b="1" dirty="0" smtClean="0"/>
+              <a:t> Keller’s  gave an elegant approach to compute instant </a:t>
+            </a:r>
+            <a:r>
+              <a:rPr lang="en-US" b="1" dirty="0" err="1" smtClean="0"/>
               <a:t>radiosity</a:t>
             </a:r>
-            <a:endParaRPr lang="en-US" dirty="0" smtClean="0"/>
-          </a:p>
-          <a:p>
-            <a:r>
-              <a:rPr lang="en-US" dirty="0" smtClean="0"/>
-              <a:t>4. 3-5 pictures with small description</a:t>
-            </a:r>
-          </a:p>
-          <a:p>
-            <a:r>
-              <a:rPr lang="en-US" dirty="0" smtClean="0"/>
-              <a:t>5. </a:t>
-            </a:r>
-            <a:r>
-              <a:rPr lang="en-US" smtClean="0"/>
-              <a:t>Future work.</a:t>
-            </a:r>
-            <a:endParaRPr lang="en-US" dirty="0"/>
+            <a:r>
+              <a:rPr lang="en-US" b="1" dirty="0" smtClean="0"/>
+              <a:t>.</a:t>
+            </a:r>
+            <a:endParaRPr lang="en-US" b="1" dirty="0"/>
+          </a:p>
+        </p:txBody>
+      </p:sp>
+      <p:pic>
+        <p:nvPicPr>
+          <p:cNvPr id="2050" name="Picture 2" descr="C:\Users\Daniel\Desktop\8980 Final\Radiosity_Comparison.jpg"/>
+          <p:cNvPicPr>
+            <a:picLocks noChangeAspect="1" noChangeArrowheads="1"/>
+          </p:cNvPicPr>
+          <p:nvPr/>
+        </p:nvPicPr>
+        <p:blipFill>
+          <a:blip r:embed="rId2">
+            <a:extLst>
+              <a:ext uri="{28A0092B-C50C-407E-A947-70E740481C1C}">
+                <a14:useLocalDpi xmlns:a14="http://schemas.microsoft.com/office/drawing/2010/main" val="0"/>
+              </a:ext>
+            </a:extLst>
+          </a:blip>
+          <a:srcRect/>
+          <a:stretch>
+            <a:fillRect/>
+          </a:stretch>
+        </p:blipFill>
+        <p:spPr bwMode="auto">
+          <a:xfrm>
+            <a:off x="2546786" y="908720"/>
+            <a:ext cx="6473758" cy="3240360"/>
+          </a:xfrm>
+          <a:prstGeom prst="rect">
+            <a:avLst/>
+          </a:prstGeom>
+          <a:noFill/>
+          <a:extLst>
+            <a:ext uri="{909E8E84-426E-40DD-AFC4-6F175D3DCCD1}">
+              <a14:hiddenFill xmlns:a14="http://schemas.microsoft.com/office/drawing/2010/main">
+                <a:solidFill>
+                  <a:srgbClr val="FFFFFF"/>
+                </a:solidFill>
+              </a14:hiddenFill>
+            </a:ext>
+          </a:extLst>
+        </p:spPr>
+      </p:pic>
+      <p:sp>
+        <p:nvSpPr>
+          <p:cNvPr id="3" name="TextBox 2"/>
+          <p:cNvSpPr txBox="1"/>
+          <p:nvPr/>
+        </p:nvSpPr>
+        <p:spPr>
+          <a:xfrm>
+            <a:off x="281826" y="1902311"/>
+            <a:ext cx="2129934" cy="2246769"/>
+          </a:xfrm>
+          <a:prstGeom prst="rect">
+            <a:avLst/>
+          </a:prstGeom>
+          <a:noFill/>
+        </p:spPr>
+        <p:txBody>
+          <a:bodyPr wrap="square" rtlCol="0">
+            <a:spAutoFit/>
+          </a:bodyPr>
+          <a:lstStyle/>
+          <a:p>
+            <a:pPr algn="just"/>
+            <a:r>
+              <a:rPr lang="en-US" sz="1400" b="1" dirty="0" smtClean="0"/>
+              <a:t>The two pictures on the right rendered by direct illumination and </a:t>
+            </a:r>
+            <a:r>
+              <a:rPr lang="en-US" sz="1400" b="1" dirty="0" err="1" smtClean="0"/>
+              <a:t>Radiosity</a:t>
+            </a:r>
+            <a:r>
+              <a:rPr lang="en-US" sz="1400" b="1" dirty="0" smtClean="0"/>
+              <a:t> respectively. The picture using </a:t>
+            </a:r>
+            <a:r>
+              <a:rPr lang="en-US" sz="1400" b="1" dirty="0" err="1" smtClean="0"/>
+              <a:t>Radiosity</a:t>
+            </a:r>
+            <a:r>
+              <a:rPr lang="en-US" sz="1400" b="1" dirty="0" smtClean="0"/>
+              <a:t> shows more realistic, the shadow looks more soft and light distributed more evenly.</a:t>
+            </a:r>
+            <a:endParaRPr lang="en-US" sz="1400" b="1" dirty="0"/>
           </a:p>
         </p:txBody>
       </p:sp>
     </p:spTree>
     <p:extLst>
       <p:ext uri="{BB962C8B-B14F-4D97-AF65-F5344CB8AC3E}">
-        <p14:creationId xmlns:p14="http://schemas.microsoft.com/office/powerpoint/2010/main" val="298334906"/>
+        <p14:creationId xmlns:p14="http://schemas.microsoft.com/office/powerpoint/2010/main" val="1759148111"/>
+      </p:ext>
+    </p:extLst>
+  </p:cSld>
+  <p:clrMapOvr>
+    <a:masterClrMapping/>
+  </p:clrMapOvr>
+  <p:timing>
+    <p:tnLst>
+      <p:par>
+        <p:cTn id="1" dur="indefinite" restart="never" nodeType="tmRoot"/>
+      </p:par>
+    </p:tnLst>
+  </p:timing>
+</p:sld>
+</file>
+
+<file path=ppt/slides/slide3.xml><?xml version="1.0" encoding="utf-8"?>
+<p:sld xmlns:a="http://schemas.openxmlformats.org/drawingml/2006/main" xmlns:r="http://schemas.openxmlformats.org/officeDocument/2006/relationships" xmlns:p="http://schemas.openxmlformats.org/presentationml/2006/main">
+  <p:cSld>
+    <p:spTree>
+      <p:nvGrpSpPr>
+        <p:cNvPr id="1" name=""/>
+        <p:cNvGrpSpPr/>
+        <p:nvPr/>
+      </p:nvGrpSpPr>
+      <p:grpSpPr>
+        <a:xfrm>
+          <a:off x="0" y="0"/>
+          <a:ext cx="0" cy="0"/>
+          <a:chOff x="0" y="0"/>
+          <a:chExt cx="0" cy="0"/>
+        </a:xfrm>
+      </p:grpSpPr>
+      <p:sp>
+        <p:nvSpPr>
+          <p:cNvPr id="3" name="内容占位符 2"/>
+          <p:cNvSpPr>
+            <a:spLocks noGrp="1"/>
+          </p:cNvSpPr>
+          <p:nvPr>
+            <p:ph idx="1"/>
+          </p:nvPr>
+        </p:nvSpPr>
+        <p:spPr/>
+        <p:txBody>
+          <a:bodyPr/>
+          <a:lstStyle/>
+          <a:p>
+            <a:r>
+              <a:rPr lang="en-US" dirty="0" smtClean="0"/>
+              <a:t>1. One slide </a:t>
+            </a:r>
+            <a:r>
+              <a:rPr lang="en-US" dirty="0" err="1" smtClean="0"/>
+              <a:t>backgroud</a:t>
+            </a:r>
+            <a:endParaRPr lang="en-US" dirty="0" smtClean="0"/>
+          </a:p>
+          <a:p>
+            <a:r>
+              <a:rPr lang="en-US" dirty="0" smtClean="0"/>
+              <a:t>2. One slide </a:t>
+            </a:r>
+            <a:r>
+              <a:rPr lang="en-US" dirty="0" err="1" smtClean="0"/>
+              <a:t>raytracer</a:t>
+            </a:r>
+            <a:endParaRPr lang="en-US" dirty="0" smtClean="0"/>
+          </a:p>
+          <a:p>
+            <a:r>
+              <a:rPr lang="en-US" dirty="0" smtClean="0"/>
+              <a:t>3. One slide for instant </a:t>
+            </a:r>
+            <a:r>
+              <a:rPr lang="en-US" dirty="0" err="1" smtClean="0"/>
+              <a:t>radiosity</a:t>
+            </a:r>
+            <a:endParaRPr lang="en-US" dirty="0" smtClean="0"/>
+          </a:p>
+          <a:p>
+            <a:r>
+              <a:rPr lang="en-US" dirty="0" smtClean="0"/>
+              <a:t>4. 3-5 pictures with small description</a:t>
+            </a:r>
+          </a:p>
+          <a:p>
+            <a:r>
+              <a:rPr lang="en-US" dirty="0" smtClean="0"/>
+              <a:t>5. </a:t>
+            </a:r>
+            <a:r>
+              <a:rPr lang="en-US" smtClean="0"/>
+              <a:t>Future work.</a:t>
+            </a:r>
+            <a:endParaRPr lang="en-US" dirty="0"/>
+          </a:p>
+        </p:txBody>
+      </p:sp>
+    </p:spTree>
+    <p:extLst>
+      <p:ext uri="{BB962C8B-B14F-4D97-AF65-F5344CB8AC3E}">
+        <p14:creationId xmlns:p14="http://schemas.microsoft.com/office/powerpoint/2010/main" val="3591959768"/>
+      </p:ext>
+    </p:extLst>
+  </p:cSld>
+  <p:clrMapOvr>
+    <a:masterClrMapping/>
+  </p:clrMapOvr>
+  <p:timing>
+    <p:tnLst>
+      <p:par>
+        <p:cTn id="1" dur="indefinite" restart="never" nodeType="tmRoot"/>
+      </p:par>
+    </p:tnLst>
+  </p:timing>
+</p:sld>
+</file>
+
+<file path=ppt/slides/slide4.xml><?xml version="1.0" encoding="utf-8"?>
+<p:sld xmlns:a="http://schemas.openxmlformats.org/drawingml/2006/main" xmlns:r="http://schemas.openxmlformats.org/officeDocument/2006/relationships" xmlns:p="http://schemas.openxmlformats.org/presentationml/2006/main">
+  <p:cSld>
+    <p:spTree>
+      <p:nvGrpSpPr>
+        <p:cNvPr id="1" name=""/>
+        <p:cNvGrpSpPr/>
+        <p:nvPr/>
+      </p:nvGrpSpPr>
+      <p:grpSpPr>
+        <a:xfrm>
+          <a:off x="0" y="0"/>
+          <a:ext cx="0" cy="0"/>
+          <a:chOff x="0" y="0"/>
+          <a:chExt cx="0" cy="0"/>
+        </a:xfrm>
+      </p:grpSpPr>
+      <p:sp>
+        <p:nvSpPr>
+          <p:cNvPr id="3" name="内容占位符 2"/>
+          <p:cNvSpPr>
+            <a:spLocks noGrp="1"/>
+          </p:cNvSpPr>
+          <p:nvPr>
+            <p:ph idx="1"/>
+          </p:nvPr>
+        </p:nvSpPr>
+        <p:spPr/>
+        <p:txBody>
+          <a:bodyPr/>
+          <a:lstStyle/>
+          <a:p>
+            <a:r>
+              <a:rPr lang="en-US" dirty="0" smtClean="0"/>
+              <a:t>1. One slide </a:t>
+            </a:r>
+            <a:r>
+              <a:rPr lang="en-US" dirty="0" err="1" smtClean="0"/>
+              <a:t>backgroud</a:t>
+            </a:r>
+            <a:endParaRPr lang="en-US" dirty="0" smtClean="0"/>
+          </a:p>
+          <a:p>
+            <a:r>
+              <a:rPr lang="en-US" dirty="0" smtClean="0"/>
+              <a:t>2. One slide </a:t>
+            </a:r>
+            <a:r>
+              <a:rPr lang="en-US" dirty="0" err="1" smtClean="0"/>
+              <a:t>raytracer</a:t>
+            </a:r>
+            <a:endParaRPr lang="en-US" dirty="0" smtClean="0"/>
+          </a:p>
+          <a:p>
+            <a:r>
+              <a:rPr lang="en-US" dirty="0" smtClean="0"/>
+              <a:t>3. One slide for instant </a:t>
+            </a:r>
+            <a:r>
+              <a:rPr lang="en-US" dirty="0" err="1" smtClean="0"/>
+              <a:t>radiosity</a:t>
+            </a:r>
+            <a:endParaRPr lang="en-US" dirty="0" smtClean="0"/>
+          </a:p>
+          <a:p>
+            <a:r>
+              <a:rPr lang="en-US" dirty="0" smtClean="0"/>
+              <a:t>4. 3-5 pictures with small description</a:t>
+            </a:r>
+          </a:p>
+          <a:p>
+            <a:r>
+              <a:rPr lang="en-US" dirty="0" smtClean="0"/>
+              <a:t>5. </a:t>
+            </a:r>
+            <a:r>
+              <a:rPr lang="en-US" smtClean="0"/>
+              <a:t>Future work.</a:t>
+            </a:r>
+            <a:endParaRPr lang="en-US" dirty="0"/>
+          </a:p>
+        </p:txBody>
+      </p:sp>
+    </p:spTree>
+    <p:extLst>
+      <p:ext uri="{BB962C8B-B14F-4D97-AF65-F5344CB8AC3E}">
+        <p14:creationId xmlns:p14="http://schemas.microsoft.com/office/powerpoint/2010/main" val="3591959768"/>
+      </p:ext>
+    </p:extLst>
+  </p:cSld>
+  <p:clrMapOvr>
+    <a:masterClrMapping/>
+  </p:clrMapOvr>
+  <p:timing>
+    <p:tnLst>
+      <p:par>
+        <p:cTn id="1" dur="indefinite" restart="never" nodeType="tmRoot"/>
+      </p:par>
+    </p:tnLst>
+  </p:timing>
+</p:sld>
+</file>
+
+<file path=ppt/slides/slide5.xml><?xml version="1.0" encoding="utf-8"?>
+<p:sld xmlns:a="http://schemas.openxmlformats.org/drawingml/2006/main" xmlns:r="http://schemas.openxmlformats.org/officeDocument/2006/relationships" xmlns:p="http://schemas.openxmlformats.org/presentationml/2006/main">
+  <p:cSld>
+    <p:spTree>
+      <p:nvGrpSpPr>
+        <p:cNvPr id="1" name=""/>
+        <p:cNvGrpSpPr/>
+        <p:nvPr/>
+      </p:nvGrpSpPr>
+      <p:grpSpPr>
+        <a:xfrm>
+          <a:off x="0" y="0"/>
+          <a:ext cx="0" cy="0"/>
+          <a:chOff x="0" y="0"/>
+          <a:chExt cx="0" cy="0"/>
+        </a:xfrm>
+      </p:grpSpPr>
+      <p:pic>
+        <p:nvPicPr>
+          <p:cNvPr id="1026" name="Picture 2" descr="C:\Users\Daniel\Desktop\8980 Final\step1.png"/>
+          <p:cNvPicPr>
+            <a:picLocks noChangeAspect="1" noChangeArrowheads="1"/>
+          </p:cNvPicPr>
+          <p:nvPr/>
+        </p:nvPicPr>
+        <p:blipFill>
+          <a:blip r:embed="rId2">
+            <a:extLst>
+              <a:ext uri="{28A0092B-C50C-407E-A947-70E740481C1C}">
+                <a14:useLocalDpi xmlns:a14="http://schemas.microsoft.com/office/drawing/2010/main" val="0"/>
+              </a:ext>
+            </a:extLst>
+          </a:blip>
+          <a:srcRect/>
+          <a:stretch>
+            <a:fillRect/>
+          </a:stretch>
+        </p:blipFill>
+        <p:spPr bwMode="auto">
+          <a:xfrm>
+            <a:off x="272801" y="853677"/>
+            <a:ext cx="3867151" cy="3727451"/>
+          </a:xfrm>
+          <a:prstGeom prst="rect">
+            <a:avLst/>
+          </a:prstGeom>
+          <a:ln w="190500" cap="sq">
+            <a:solidFill>
+              <a:srgbClr val="C8C6BD"/>
+            </a:solidFill>
+            <a:prstDash val="solid"/>
+            <a:miter lim="800000"/>
+          </a:ln>
+          <a:effectLst>
+            <a:outerShdw blurRad="254000" algn="bl" rotWithShape="0">
+              <a:srgbClr val="000000">
+                <a:alpha val="43000"/>
+              </a:srgbClr>
+            </a:outerShdw>
+          </a:effectLst>
+          <a:scene3d>
+            <a:camera prst="perspectiveFront" fov="5400000"/>
+            <a:lightRig rig="threePt" dir="t">
+              <a:rot lat="0" lon="0" rev="2100000"/>
+            </a:lightRig>
+          </a:scene3d>
+          <a:sp3d extrusionH="25400">
+            <a:bevelT w="304800" h="152400" prst="hardEdge"/>
+            <a:extrusionClr>
+              <a:srgbClr val="000000"/>
+            </a:extrusionClr>
+          </a:sp3d>
+          <a:extLst>
+            <a:ext uri="{909E8E84-426E-40DD-AFC4-6F175D3DCCD1}">
+              <a14:hiddenFill xmlns:a14="http://schemas.microsoft.com/office/drawing/2010/main">
+                <a:solidFill>
+                  <a:srgbClr val="FFFFFF"/>
+                </a:solidFill>
+              </a14:hiddenFill>
+            </a:ext>
+          </a:extLst>
+        </p:spPr>
+      </p:pic>
+      <p:pic>
+        <p:nvPicPr>
+          <p:cNvPr id="1027" name="Picture 3" descr="C:\Users\Daniel\Desktop\8980 Final\step3.png"/>
+          <p:cNvPicPr>
+            <a:picLocks noChangeAspect="1" noChangeArrowheads="1"/>
+          </p:cNvPicPr>
+          <p:nvPr/>
+        </p:nvPicPr>
+        <p:blipFill>
+          <a:blip r:embed="rId3">
+            <a:extLst>
+              <a:ext uri="{28A0092B-C50C-407E-A947-70E740481C1C}">
+                <a14:useLocalDpi xmlns:a14="http://schemas.microsoft.com/office/drawing/2010/main" val="0"/>
+              </a:ext>
+            </a:extLst>
+          </a:blip>
+          <a:srcRect/>
+          <a:stretch>
+            <a:fillRect/>
+          </a:stretch>
+        </p:blipFill>
+        <p:spPr bwMode="auto">
+          <a:xfrm>
+            <a:off x="4932040" y="2996952"/>
+            <a:ext cx="3911600" cy="3740150"/>
+          </a:xfrm>
+          <a:prstGeom prst="rect">
+            <a:avLst/>
+          </a:prstGeom>
+          <a:ln w="190500" cap="sq">
+            <a:solidFill>
+              <a:srgbClr val="C8C6BD"/>
+            </a:solidFill>
+            <a:prstDash val="solid"/>
+            <a:miter lim="800000"/>
+          </a:ln>
+          <a:effectLst>
+            <a:outerShdw blurRad="254000" algn="bl" rotWithShape="0">
+              <a:srgbClr val="000000">
+                <a:alpha val="43000"/>
+              </a:srgbClr>
+            </a:outerShdw>
+          </a:effectLst>
+          <a:scene3d>
+            <a:camera prst="perspectiveFront" fov="5400000"/>
+            <a:lightRig rig="threePt" dir="t">
+              <a:rot lat="0" lon="0" rev="2100000"/>
+            </a:lightRig>
+          </a:scene3d>
+          <a:sp3d extrusionH="25400">
+            <a:bevelT w="304800" h="152400" prst="hardEdge"/>
+            <a:extrusionClr>
+              <a:srgbClr val="000000"/>
+            </a:extrusionClr>
+          </a:sp3d>
+          <a:extLst>
+            <a:ext uri="{909E8E84-426E-40DD-AFC4-6F175D3DCCD1}">
+              <a14:hiddenFill xmlns:a14="http://schemas.microsoft.com/office/drawing/2010/main">
+                <a:solidFill>
+                  <a:srgbClr val="FFFFFF"/>
+                </a:solidFill>
+              </a14:hiddenFill>
+            </a:ext>
+          </a:extLst>
+        </p:spPr>
+      </p:pic>
+      <p:cxnSp>
+        <p:nvCxnSpPr>
+          <p:cNvPr id="4" name="直接连接符 3"/>
+          <p:cNvCxnSpPr/>
+          <p:nvPr/>
+        </p:nvCxnSpPr>
+        <p:spPr>
+          <a:xfrm>
+            <a:off x="0" y="692696"/>
+            <a:ext cx="9144000" cy="72008"/>
+          </a:xfrm>
+          <a:prstGeom prst="line">
+            <a:avLst/>
+          </a:prstGeom>
+        </p:spPr>
+        <p:style>
+          <a:lnRef idx="1">
+            <a:schemeClr val="accent1"/>
+          </a:lnRef>
+          <a:fillRef idx="0">
+            <a:schemeClr val="accent1"/>
+          </a:fillRef>
+          <a:effectRef idx="0">
+            <a:schemeClr val="accent1"/>
+          </a:effectRef>
+          <a:fontRef idx="minor">
+            <a:schemeClr val="tx1"/>
+          </a:fontRef>
+        </p:style>
+      </p:cxnSp>
+      <p:sp>
+        <p:nvSpPr>
+          <p:cNvPr id="5" name="TextBox 4"/>
+          <p:cNvSpPr txBox="1"/>
+          <p:nvPr/>
+        </p:nvSpPr>
+        <p:spPr>
+          <a:xfrm>
+            <a:off x="3923928" y="116632"/>
+            <a:ext cx="5580112" cy="584775"/>
+          </a:xfrm>
+          <a:prstGeom prst="rect">
+            <a:avLst/>
+          </a:prstGeom>
+          <a:noFill/>
+        </p:spPr>
+        <p:txBody>
+          <a:bodyPr wrap="square" rtlCol="0">
+            <a:spAutoFit/>
+          </a:bodyPr>
+          <a:lstStyle/>
+          <a:p>
+            <a:r>
+              <a:rPr lang="en-US" sz="3200" b="1" dirty="0" smtClean="0">
+                <a:ln w="10541" cmpd="sng">
+                  <a:solidFill>
+                    <a:schemeClr val="accent1">
+                      <a:shade val="88000"/>
+                      <a:satMod val="110000"/>
+                    </a:schemeClr>
+                  </a:solidFill>
+                  <a:prstDash val="solid"/>
+                </a:ln>
+                <a:gradFill>
+                  <a:gsLst>
+                    <a:gs pos="0">
+                      <a:schemeClr val="accent1">
+                        <a:tint val="40000"/>
+                        <a:satMod val="250000"/>
+                      </a:schemeClr>
+                    </a:gs>
+                    <a:gs pos="9000">
+                      <a:schemeClr val="accent1">
+                        <a:tint val="52000"/>
+                        <a:satMod val="300000"/>
+                      </a:schemeClr>
+                    </a:gs>
+                    <a:gs pos="50000">
+                      <a:schemeClr val="accent1">
+                        <a:shade val="20000"/>
+                        <a:satMod val="300000"/>
+                      </a:schemeClr>
+                    </a:gs>
+                    <a:gs pos="79000">
+                      <a:schemeClr val="accent1">
+                        <a:tint val="52000"/>
+                        <a:satMod val="300000"/>
+                      </a:schemeClr>
+                    </a:gs>
+                    <a:gs pos="100000">
+                      <a:schemeClr val="accent1">
+                        <a:tint val="40000"/>
+                        <a:satMod val="250000"/>
+                      </a:schemeClr>
+                    </a:gs>
+                  </a:gsLst>
+                  <a:lin ang="5400000"/>
+                </a:gradFill>
+              </a:rPr>
+              <a:t>Instant </a:t>
+            </a:r>
+            <a:r>
+              <a:rPr lang="en-US" sz="3200" b="1" dirty="0" err="1" smtClean="0">
+                <a:ln w="10541" cmpd="sng">
+                  <a:solidFill>
+                    <a:schemeClr val="accent1">
+                      <a:shade val="88000"/>
+                      <a:satMod val="110000"/>
+                    </a:schemeClr>
+                  </a:solidFill>
+                  <a:prstDash val="solid"/>
+                </a:ln>
+                <a:gradFill>
+                  <a:gsLst>
+                    <a:gs pos="0">
+                      <a:schemeClr val="accent1">
+                        <a:tint val="40000"/>
+                        <a:satMod val="250000"/>
+                      </a:schemeClr>
+                    </a:gs>
+                    <a:gs pos="9000">
+                      <a:schemeClr val="accent1">
+                        <a:tint val="52000"/>
+                        <a:satMod val="300000"/>
+                      </a:schemeClr>
+                    </a:gs>
+                    <a:gs pos="50000">
+                      <a:schemeClr val="accent1">
+                        <a:shade val="20000"/>
+                        <a:satMod val="300000"/>
+                      </a:schemeClr>
+                    </a:gs>
+                    <a:gs pos="79000">
+                      <a:schemeClr val="accent1">
+                        <a:tint val="52000"/>
+                        <a:satMod val="300000"/>
+                      </a:schemeClr>
+                    </a:gs>
+                    <a:gs pos="100000">
+                      <a:schemeClr val="accent1">
+                        <a:tint val="40000"/>
+                        <a:satMod val="250000"/>
+                      </a:schemeClr>
+                    </a:gs>
+                  </a:gsLst>
+                  <a:lin ang="5400000"/>
+                </a:gradFill>
+              </a:rPr>
+              <a:t>Radiosity</a:t>
+            </a:r>
+            <a:r>
+              <a:rPr lang="en-US" sz="3200" b="1" dirty="0" smtClean="0">
+                <a:ln w="10541" cmpd="sng">
+                  <a:solidFill>
+                    <a:schemeClr val="accent1">
+                      <a:shade val="88000"/>
+                      <a:satMod val="110000"/>
+                    </a:schemeClr>
+                  </a:solidFill>
+                  <a:prstDash val="solid"/>
+                </a:ln>
+                <a:gradFill>
+                  <a:gsLst>
+                    <a:gs pos="0">
+                      <a:schemeClr val="accent1">
+                        <a:tint val="40000"/>
+                        <a:satMod val="250000"/>
+                      </a:schemeClr>
+                    </a:gs>
+                    <a:gs pos="9000">
+                      <a:schemeClr val="accent1">
+                        <a:tint val="52000"/>
+                        <a:satMod val="300000"/>
+                      </a:schemeClr>
+                    </a:gs>
+                    <a:gs pos="50000">
+                      <a:schemeClr val="accent1">
+                        <a:shade val="20000"/>
+                        <a:satMod val="300000"/>
+                      </a:schemeClr>
+                    </a:gs>
+                    <a:gs pos="79000">
+                      <a:schemeClr val="accent1">
+                        <a:tint val="52000"/>
+                        <a:satMod val="300000"/>
+                      </a:schemeClr>
+                    </a:gs>
+                    <a:gs pos="100000">
+                      <a:schemeClr val="accent1">
+                        <a:tint val="40000"/>
+                        <a:satMod val="250000"/>
+                      </a:schemeClr>
+                    </a:gs>
+                  </a:gsLst>
+                  <a:lin ang="5400000"/>
+                </a:gradFill>
+              </a:rPr>
+              <a:t> </a:t>
+            </a:r>
+            <a:r>
+              <a:rPr lang="en-US" sz="3200" b="1" dirty="0" err="1" smtClean="0">
+                <a:ln w="10541" cmpd="sng">
+                  <a:solidFill>
+                    <a:schemeClr val="accent1">
+                      <a:shade val="88000"/>
+                      <a:satMod val="110000"/>
+                    </a:schemeClr>
+                  </a:solidFill>
+                  <a:prstDash val="solid"/>
+                </a:ln>
+                <a:gradFill>
+                  <a:gsLst>
+                    <a:gs pos="0">
+                      <a:schemeClr val="accent1">
+                        <a:tint val="40000"/>
+                        <a:satMod val="250000"/>
+                      </a:schemeClr>
+                    </a:gs>
+                    <a:gs pos="9000">
+                      <a:schemeClr val="accent1">
+                        <a:tint val="52000"/>
+                        <a:satMod val="300000"/>
+                      </a:schemeClr>
+                    </a:gs>
+                    <a:gs pos="50000">
+                      <a:schemeClr val="accent1">
+                        <a:shade val="20000"/>
+                        <a:satMod val="300000"/>
+                      </a:schemeClr>
+                    </a:gs>
+                    <a:gs pos="79000">
+                      <a:schemeClr val="accent1">
+                        <a:tint val="52000"/>
+                        <a:satMod val="300000"/>
+                      </a:schemeClr>
+                    </a:gs>
+                    <a:gs pos="100000">
+                      <a:schemeClr val="accent1">
+                        <a:tint val="40000"/>
+                        <a:satMod val="250000"/>
+                      </a:schemeClr>
+                    </a:gs>
+                  </a:gsLst>
+                  <a:lin ang="5400000"/>
+                </a:gradFill>
+              </a:rPr>
+              <a:t>Algotihm</a:t>
+            </a:r>
+            <a:endParaRPr lang="en-US" sz="3200" b="1" dirty="0">
+              <a:ln w="10541" cmpd="sng">
+                <a:solidFill>
+                  <a:schemeClr val="accent1">
+                    <a:shade val="88000"/>
+                    <a:satMod val="110000"/>
+                  </a:schemeClr>
+                </a:solidFill>
+                <a:prstDash val="solid"/>
+              </a:ln>
+              <a:gradFill>
+                <a:gsLst>
+                  <a:gs pos="0">
+                    <a:schemeClr val="accent1">
+                      <a:tint val="40000"/>
+                      <a:satMod val="250000"/>
+                    </a:schemeClr>
+                  </a:gs>
+                  <a:gs pos="9000">
+                    <a:schemeClr val="accent1">
+                      <a:tint val="52000"/>
+                      <a:satMod val="300000"/>
+                    </a:schemeClr>
+                  </a:gs>
+                  <a:gs pos="50000">
+                    <a:schemeClr val="accent1">
+                      <a:shade val="20000"/>
+                      <a:satMod val="300000"/>
+                    </a:schemeClr>
+                  </a:gs>
+                  <a:gs pos="79000">
+                    <a:schemeClr val="accent1">
+                      <a:tint val="52000"/>
+                      <a:satMod val="300000"/>
+                    </a:schemeClr>
+                  </a:gs>
+                  <a:gs pos="100000">
+                    <a:schemeClr val="accent1">
+                      <a:tint val="40000"/>
+                      <a:satMod val="250000"/>
+                    </a:schemeClr>
+                  </a:gs>
+                </a:gsLst>
+                <a:lin ang="5400000"/>
+              </a:gradFill>
+            </a:endParaRPr>
+          </a:p>
+        </p:txBody>
+      </p:sp>
+      <p:sp>
+        <p:nvSpPr>
+          <p:cNvPr id="6" name="TextBox 5"/>
+          <p:cNvSpPr txBox="1"/>
+          <p:nvPr/>
+        </p:nvSpPr>
+        <p:spPr>
+          <a:xfrm>
+            <a:off x="4716016" y="764704"/>
+            <a:ext cx="4248472" cy="2031325"/>
+          </a:xfrm>
+          <a:prstGeom prst="rect">
+            <a:avLst/>
+          </a:prstGeom>
+          <a:noFill/>
+        </p:spPr>
+        <p:txBody>
+          <a:bodyPr wrap="square" rtlCol="0">
+            <a:spAutoFit/>
+          </a:bodyPr>
+          <a:lstStyle/>
+          <a:p>
+            <a:r>
+              <a:rPr lang="en-US" dirty="0" smtClean="0"/>
+              <a:t>Step 1:  </a:t>
+            </a:r>
+          </a:p>
+          <a:p>
+            <a:r>
+              <a:rPr lang="en-US" dirty="0" smtClean="0"/>
+              <a:t>(1). Sample the light source and direction; </a:t>
+            </a:r>
+          </a:p>
+          <a:p>
+            <a:r>
+              <a:rPr lang="en-US" dirty="0" smtClean="0"/>
+              <a:t>(2). For each </a:t>
+            </a:r>
+            <a:r>
+              <a:rPr lang="en-US" dirty="0" err="1" smtClean="0"/>
+              <a:t>vpl</a:t>
+            </a:r>
+            <a:r>
+              <a:rPr lang="en-US" dirty="0" smtClean="0"/>
+              <a:t> on the path, we first store this </a:t>
+            </a:r>
+            <a:r>
+              <a:rPr lang="en-US" dirty="0" err="1" smtClean="0"/>
+              <a:t>vpls’s</a:t>
+            </a:r>
+            <a:r>
+              <a:rPr lang="en-US" dirty="0" smtClean="0"/>
+              <a:t> power and position and then sample its direction using </a:t>
+            </a:r>
+            <a:r>
+              <a:rPr lang="en-US" dirty="0" err="1" smtClean="0"/>
+              <a:t>halton</a:t>
+            </a:r>
+            <a:r>
+              <a:rPr lang="en-US" dirty="0" smtClean="0"/>
+              <a:t> sequence and keep tracing</a:t>
+            </a:r>
+            <a:endParaRPr lang="en-US" dirty="0"/>
+          </a:p>
+        </p:txBody>
+      </p:sp>
+      <p:sp>
+        <p:nvSpPr>
+          <p:cNvPr id="9" name="TextBox 8"/>
+          <p:cNvSpPr txBox="1"/>
+          <p:nvPr/>
+        </p:nvSpPr>
+        <p:spPr>
+          <a:xfrm>
+            <a:off x="272801" y="4877895"/>
+            <a:ext cx="4248472" cy="1477328"/>
+          </a:xfrm>
+          <a:prstGeom prst="rect">
+            <a:avLst/>
+          </a:prstGeom>
+          <a:noFill/>
+        </p:spPr>
+        <p:txBody>
+          <a:bodyPr wrap="square" rtlCol="0">
+            <a:spAutoFit/>
+          </a:bodyPr>
+          <a:lstStyle/>
+          <a:p>
+            <a:r>
+              <a:rPr lang="en-US" dirty="0" smtClean="0"/>
+              <a:t>Step 2:  </a:t>
+            </a:r>
+          </a:p>
+          <a:p>
+            <a:r>
+              <a:rPr lang="en-US" dirty="0" smtClean="0"/>
+              <a:t>(1). Calculate each intersection point’s radiance by accumulating the contribution from all </a:t>
+            </a:r>
+            <a:r>
+              <a:rPr lang="en-US" dirty="0" err="1" smtClean="0"/>
+              <a:t>vpls</a:t>
+            </a:r>
+            <a:r>
+              <a:rPr lang="en-US" dirty="0" smtClean="0"/>
+              <a:t>. </a:t>
+            </a:r>
+          </a:p>
+          <a:p>
+            <a:r>
+              <a:rPr lang="en-US" dirty="0" smtClean="0"/>
+              <a:t>(2).  Output the image</a:t>
+            </a:r>
+            <a:endParaRPr lang="en-US" dirty="0"/>
+          </a:p>
+        </p:txBody>
+      </p:sp>
+    </p:spTree>
+    <p:extLst>
+      <p:ext uri="{BB962C8B-B14F-4D97-AF65-F5344CB8AC3E}">
+        <p14:creationId xmlns:p14="http://schemas.microsoft.com/office/powerpoint/2010/main" val="3591959768"/>
+      </p:ext>
+    </p:extLst>
+  </p:cSld>
+  <p:clrMapOvr>
+    <a:masterClrMapping/>
+  </p:clrMapOvr>
+  <p:timing>
+    <p:tnLst>
+      <p:par>
+        <p:cTn id="1" dur="indefinite" restart="never" nodeType="tmRoot"/>
+      </p:par>
+    </p:tnLst>
+  </p:timing>
+</p:sld>
+</file>
+
+<file path=ppt/slides/slide6.xml><?xml version="1.0" encoding="utf-8"?>
+<p:sld xmlns:a="http://schemas.openxmlformats.org/drawingml/2006/main" xmlns:r="http://schemas.openxmlformats.org/officeDocument/2006/relationships" xmlns:p="http://schemas.openxmlformats.org/presentationml/2006/main">
+  <p:cSld>
+    <p:spTree>
+      <p:nvGrpSpPr>
+        <p:cNvPr id="1" name=""/>
+        <p:cNvGrpSpPr/>
+        <p:nvPr/>
+      </p:nvGrpSpPr>
+      <p:grpSpPr>
+        <a:xfrm>
+          <a:off x="0" y="0"/>
+          <a:ext cx="0" cy="0"/>
+          <a:chOff x="0" y="0"/>
+          <a:chExt cx="0" cy="0"/>
+        </a:xfrm>
+      </p:grpSpPr>
+      <p:sp>
+        <p:nvSpPr>
+          <p:cNvPr id="3" name="内容占位符 2"/>
+          <p:cNvSpPr>
+            <a:spLocks noGrp="1"/>
+          </p:cNvSpPr>
+          <p:nvPr>
+            <p:ph idx="1"/>
+          </p:nvPr>
+        </p:nvSpPr>
+        <p:spPr>
+          <a:xfrm>
+            <a:off x="457200" y="1556792"/>
+            <a:ext cx="8229600" cy="4176464"/>
+          </a:xfrm>
+        </p:spPr>
+        <p:txBody>
+          <a:bodyPr/>
+          <a:lstStyle/>
+          <a:p>
+            <a:r>
+              <a:rPr lang="en-US" dirty="0" smtClean="0"/>
+              <a:t>1. </a:t>
+            </a:r>
+            <a:r>
+              <a:rPr lang="en-US" dirty="0" smtClean="0"/>
+              <a:t>Find a correct approach to accumulate each point’s radiance.</a:t>
+            </a:r>
+            <a:endParaRPr lang="en-US" dirty="0" smtClean="0"/>
+          </a:p>
+          <a:p>
+            <a:r>
+              <a:rPr lang="en-US" dirty="0" smtClean="0"/>
+              <a:t>2. </a:t>
+            </a:r>
+            <a:r>
+              <a:rPr lang="en-US" dirty="0" smtClean="0"/>
+              <a:t>Add shadow, reflection and refraction.</a:t>
+            </a:r>
+          </a:p>
+          <a:p>
+            <a:r>
+              <a:rPr lang="en-US" dirty="0" smtClean="0"/>
+              <a:t>3. Parallel this method to try to run it in real-time</a:t>
+            </a:r>
+          </a:p>
+          <a:p>
+            <a:r>
+              <a:rPr lang="en-US" dirty="0" smtClean="0"/>
+              <a:t>4. Improving sample strategy. </a:t>
+            </a:r>
+            <a:endParaRPr lang="en-US" dirty="0"/>
+          </a:p>
+        </p:txBody>
+      </p:sp>
+      <p:cxnSp>
+        <p:nvCxnSpPr>
+          <p:cNvPr id="4" name="直接连接符 3"/>
+          <p:cNvCxnSpPr/>
+          <p:nvPr/>
+        </p:nvCxnSpPr>
+        <p:spPr>
+          <a:xfrm>
+            <a:off x="0" y="692696"/>
+            <a:ext cx="9144000" cy="72008"/>
+          </a:xfrm>
+          <a:prstGeom prst="line">
+            <a:avLst/>
+          </a:prstGeom>
+        </p:spPr>
+        <p:style>
+          <a:lnRef idx="1">
+            <a:schemeClr val="accent1"/>
+          </a:lnRef>
+          <a:fillRef idx="0">
+            <a:schemeClr val="accent1"/>
+          </a:fillRef>
+          <a:effectRef idx="0">
+            <a:schemeClr val="accent1"/>
+          </a:effectRef>
+          <a:fontRef idx="minor">
+            <a:schemeClr val="tx1"/>
+          </a:fontRef>
+        </p:style>
+      </p:cxnSp>
+      <p:sp>
+        <p:nvSpPr>
+          <p:cNvPr id="5" name="TextBox 4"/>
+          <p:cNvSpPr txBox="1"/>
+          <p:nvPr/>
+        </p:nvSpPr>
+        <p:spPr>
+          <a:xfrm>
+            <a:off x="6588224" y="116632"/>
+            <a:ext cx="5580112" cy="584775"/>
+          </a:xfrm>
+          <a:prstGeom prst="rect">
+            <a:avLst/>
+          </a:prstGeom>
+          <a:noFill/>
+        </p:spPr>
+        <p:txBody>
+          <a:bodyPr wrap="square" rtlCol="0">
+            <a:spAutoFit/>
+          </a:bodyPr>
+          <a:lstStyle/>
+          <a:p>
+            <a:r>
+              <a:rPr lang="en-US" sz="3200" b="1" dirty="0" smtClean="0">
+                <a:ln w="10541" cmpd="sng">
+                  <a:solidFill>
+                    <a:schemeClr val="accent1">
+                      <a:shade val="88000"/>
+                      <a:satMod val="110000"/>
+                    </a:schemeClr>
+                  </a:solidFill>
+                  <a:prstDash val="solid"/>
+                </a:ln>
+                <a:gradFill>
+                  <a:gsLst>
+                    <a:gs pos="0">
+                      <a:schemeClr val="accent1">
+                        <a:tint val="40000"/>
+                        <a:satMod val="250000"/>
+                      </a:schemeClr>
+                    </a:gs>
+                    <a:gs pos="9000">
+                      <a:schemeClr val="accent1">
+                        <a:tint val="52000"/>
+                        <a:satMod val="300000"/>
+                      </a:schemeClr>
+                    </a:gs>
+                    <a:gs pos="50000">
+                      <a:schemeClr val="accent1">
+                        <a:shade val="20000"/>
+                        <a:satMod val="300000"/>
+                      </a:schemeClr>
+                    </a:gs>
+                    <a:gs pos="79000">
+                      <a:schemeClr val="accent1">
+                        <a:tint val="52000"/>
+                        <a:satMod val="300000"/>
+                      </a:schemeClr>
+                    </a:gs>
+                    <a:gs pos="100000">
+                      <a:schemeClr val="accent1">
+                        <a:tint val="40000"/>
+                        <a:satMod val="250000"/>
+                      </a:schemeClr>
+                    </a:gs>
+                  </a:gsLst>
+                  <a:lin ang="5400000"/>
+                </a:gradFill>
+              </a:rPr>
+              <a:t>Future work</a:t>
+            </a:r>
+            <a:endParaRPr lang="en-US" sz="3200" b="1" dirty="0">
+              <a:ln w="10541" cmpd="sng">
+                <a:solidFill>
+                  <a:schemeClr val="accent1">
+                    <a:shade val="88000"/>
+                    <a:satMod val="110000"/>
+                  </a:schemeClr>
+                </a:solidFill>
+                <a:prstDash val="solid"/>
+              </a:ln>
+              <a:gradFill>
+                <a:gsLst>
+                  <a:gs pos="0">
+                    <a:schemeClr val="accent1">
+                      <a:tint val="40000"/>
+                      <a:satMod val="250000"/>
+                    </a:schemeClr>
+                  </a:gs>
+                  <a:gs pos="9000">
+                    <a:schemeClr val="accent1">
+                      <a:tint val="52000"/>
+                      <a:satMod val="300000"/>
+                    </a:schemeClr>
+                  </a:gs>
+                  <a:gs pos="50000">
+                    <a:schemeClr val="accent1">
+                      <a:shade val="20000"/>
+                      <a:satMod val="300000"/>
+                    </a:schemeClr>
+                  </a:gs>
+                  <a:gs pos="79000">
+                    <a:schemeClr val="accent1">
+                      <a:tint val="52000"/>
+                      <a:satMod val="300000"/>
+                    </a:schemeClr>
+                  </a:gs>
+                  <a:gs pos="100000">
+                    <a:schemeClr val="accent1">
+                      <a:tint val="40000"/>
+                      <a:satMod val="250000"/>
+                    </a:schemeClr>
+                  </a:gs>
+                </a:gsLst>
+                <a:lin ang="5400000"/>
+              </a:gradFill>
+            </a:endParaRPr>
+          </a:p>
+        </p:txBody>
+      </p:sp>
+    </p:spTree>
+    <p:extLst>
+      <p:ext uri="{BB962C8B-B14F-4D97-AF65-F5344CB8AC3E}">
+        <p14:creationId xmlns:p14="http://schemas.microsoft.com/office/powerpoint/2010/main" val="516926778"/>
       </p:ext>
     </p:extLst>
   </p:cSld>

--- a/src/Final write up.pptx
+++ b/src/Final write up.pptx
@@ -4,13 +4,17 @@
   <p:sldMasterIdLst>
     <p:sldMasterId id="2147483672" r:id="rId1"/>
   </p:sldMasterIdLst>
+  <p:notesMasterIdLst>
+    <p:notesMasterId r:id="rId9"/>
+  </p:notesMasterIdLst>
   <p:sldIdLst>
     <p:sldId id="256" r:id="rId2"/>
     <p:sldId id="261" r:id="rId3"/>
-    <p:sldId id="258" r:id="rId4"/>
-    <p:sldId id="259" r:id="rId5"/>
-    <p:sldId id="260" r:id="rId6"/>
-    <p:sldId id="262" r:id="rId7"/>
+    <p:sldId id="265" r:id="rId4"/>
+    <p:sldId id="260" r:id="rId5"/>
+    <p:sldId id="266" r:id="rId6"/>
+    <p:sldId id="267" r:id="rId7"/>
+    <p:sldId id="262" r:id="rId8"/>
   </p:sldIdLst>
   <p:sldSz cx="9144000" cy="6858000" type="screen4x3"/>
   <p:notesSz cx="6858000" cy="9144000"/>
@@ -109,7 +113,457 @@
       </a:defRPr>
     </a:lvl9pPr>
   </p:defaultTextStyle>
+  <p:extLst>
+    <p:ext uri="{EFAFB233-063F-42B5-8137-9DF3F51BA10A}">
+      <p15:sldGuideLst xmlns:p15="http://schemas.microsoft.com/office/powerpoint/2012/main">
+        <p15:guide id="1" orient="horz" pos="2160">
+          <p15:clr>
+            <a:srgbClr val="A4A3A4"/>
+          </p15:clr>
+        </p15:guide>
+        <p15:guide id="2" pos="2880">
+          <p15:clr>
+            <a:srgbClr val="A4A3A4"/>
+          </p15:clr>
+        </p15:guide>
+      </p15:sldGuideLst>
+    </p:ext>
+  </p:extLst>
 </p:presentation>
+</file>
+
+<file path=ppt/notesMasters/notesMaster1.xml><?xml version="1.0" encoding="utf-8"?>
+<p:notesMaster xmlns:a="http://schemas.openxmlformats.org/drawingml/2006/main" xmlns:r="http://schemas.openxmlformats.org/officeDocument/2006/relationships" xmlns:p="http://schemas.openxmlformats.org/presentationml/2006/main">
+  <p:cSld>
+    <p:bg>
+      <p:bgRef idx="1001">
+        <a:schemeClr val="bg1"/>
+      </p:bgRef>
+    </p:bg>
+    <p:spTree>
+      <p:nvGrpSpPr>
+        <p:cNvPr id="1" name=""/>
+        <p:cNvGrpSpPr/>
+        <p:nvPr/>
+      </p:nvGrpSpPr>
+      <p:grpSpPr>
+        <a:xfrm>
+          <a:off x="0" y="0"/>
+          <a:ext cx="0" cy="0"/>
+          <a:chOff x="0" y="0"/>
+          <a:chExt cx="0" cy="0"/>
+        </a:xfrm>
+      </p:grpSpPr>
+      <p:sp>
+        <p:nvSpPr>
+          <p:cNvPr id="2" name="Header Placeholder 1"/>
+          <p:cNvSpPr>
+            <a:spLocks noGrp="1"/>
+          </p:cNvSpPr>
+          <p:nvPr>
+            <p:ph type="hdr" sz="quarter"/>
+          </p:nvPr>
+        </p:nvSpPr>
+        <p:spPr>
+          <a:xfrm>
+            <a:off x="0" y="0"/>
+            <a:ext cx="2971800" cy="458788"/>
+          </a:xfrm>
+          <a:prstGeom prst="rect">
+            <a:avLst/>
+          </a:prstGeom>
+        </p:spPr>
+        <p:txBody>
+          <a:bodyPr vert="horz" lIns="91440" tIns="45720" rIns="91440" bIns="45720" rtlCol="0"/>
+          <a:lstStyle>
+            <a:lvl1pPr algn="l">
+              <a:defRPr sz="1200"/>
+            </a:lvl1pPr>
+          </a:lstStyle>
+          <a:p>
+            <a:endParaRPr lang="en-US"/>
+          </a:p>
+        </p:txBody>
+      </p:sp>
+      <p:sp>
+        <p:nvSpPr>
+          <p:cNvPr id="3" name="Date Placeholder 2"/>
+          <p:cNvSpPr>
+            <a:spLocks noGrp="1"/>
+          </p:cNvSpPr>
+          <p:nvPr>
+            <p:ph type="dt" idx="1"/>
+          </p:nvPr>
+        </p:nvSpPr>
+        <p:spPr>
+          <a:xfrm>
+            <a:off x="3884613" y="0"/>
+            <a:ext cx="2971800" cy="458788"/>
+          </a:xfrm>
+          <a:prstGeom prst="rect">
+            <a:avLst/>
+          </a:prstGeom>
+        </p:spPr>
+        <p:txBody>
+          <a:bodyPr vert="horz" lIns="91440" tIns="45720" rIns="91440" bIns="45720" rtlCol="0"/>
+          <a:lstStyle>
+            <a:lvl1pPr algn="r">
+              <a:defRPr sz="1200"/>
+            </a:lvl1pPr>
+          </a:lstStyle>
+          <a:p>
+            <a:fld id="{89C0C9D9-C8E1-4762-84A1-B8BEC13D2903}" type="datetimeFigureOut">
+              <a:rPr lang="en-US" smtClean="0"/>
+              <a:t>5/7/2013</a:t>
+            </a:fld>
+            <a:endParaRPr lang="en-US"/>
+          </a:p>
+        </p:txBody>
+      </p:sp>
+      <p:sp>
+        <p:nvSpPr>
+          <p:cNvPr id="4" name="Slide Image Placeholder 3"/>
+          <p:cNvSpPr>
+            <a:spLocks noGrp="1" noRot="1" noChangeAspect="1"/>
+          </p:cNvSpPr>
+          <p:nvPr>
+            <p:ph type="sldImg" idx="2"/>
+          </p:nvPr>
+        </p:nvSpPr>
+        <p:spPr>
+          <a:xfrm>
+            <a:off x="1371600" y="1143000"/>
+            <a:ext cx="4114800" cy="3086100"/>
+          </a:xfrm>
+          <a:prstGeom prst="rect">
+            <a:avLst/>
+          </a:prstGeom>
+          <a:noFill/>
+          <a:ln w="12700">
+            <a:solidFill>
+              <a:prstClr val="black"/>
+            </a:solidFill>
+          </a:ln>
+        </p:spPr>
+        <p:txBody>
+          <a:bodyPr vert="horz" lIns="91440" tIns="45720" rIns="91440" bIns="45720" rtlCol="0" anchor="ctr"/>
+          <a:lstStyle/>
+          <a:p>
+            <a:endParaRPr lang="en-US"/>
+          </a:p>
+        </p:txBody>
+      </p:sp>
+      <p:sp>
+        <p:nvSpPr>
+          <p:cNvPr id="5" name="Notes Placeholder 4"/>
+          <p:cNvSpPr>
+            <a:spLocks noGrp="1"/>
+          </p:cNvSpPr>
+          <p:nvPr>
+            <p:ph type="body" sz="quarter" idx="3"/>
+          </p:nvPr>
+        </p:nvSpPr>
+        <p:spPr>
+          <a:xfrm>
+            <a:off x="685800" y="4400550"/>
+            <a:ext cx="5486400" cy="3600450"/>
+          </a:xfrm>
+          <a:prstGeom prst="rect">
+            <a:avLst/>
+          </a:prstGeom>
+        </p:spPr>
+        <p:txBody>
+          <a:bodyPr vert="horz" lIns="91440" tIns="45720" rIns="91440" bIns="45720" rtlCol="0"/>
+          <a:lstStyle/>
+          <a:p>
+            <a:pPr lvl="0"/>
+            <a:r>
+              <a:rPr lang="en-US" smtClean="0"/>
+              <a:t>Click to edit Master text styles</a:t>
+            </a:r>
+          </a:p>
+          <a:p>
+            <a:pPr lvl="1"/>
+            <a:r>
+              <a:rPr lang="en-US" smtClean="0"/>
+              <a:t>Second level</a:t>
+            </a:r>
+          </a:p>
+          <a:p>
+            <a:pPr lvl="2"/>
+            <a:r>
+              <a:rPr lang="en-US" smtClean="0"/>
+              <a:t>Third level</a:t>
+            </a:r>
+          </a:p>
+          <a:p>
+            <a:pPr lvl="3"/>
+            <a:r>
+              <a:rPr lang="en-US" smtClean="0"/>
+              <a:t>Fourth level</a:t>
+            </a:r>
+          </a:p>
+          <a:p>
+            <a:pPr lvl="4"/>
+            <a:r>
+              <a:rPr lang="en-US" smtClean="0"/>
+              <a:t>Fifth level</a:t>
+            </a:r>
+            <a:endParaRPr lang="en-US"/>
+          </a:p>
+        </p:txBody>
+      </p:sp>
+      <p:sp>
+        <p:nvSpPr>
+          <p:cNvPr id="6" name="Footer Placeholder 5"/>
+          <p:cNvSpPr>
+            <a:spLocks noGrp="1"/>
+          </p:cNvSpPr>
+          <p:nvPr>
+            <p:ph type="ftr" sz="quarter" idx="4"/>
+          </p:nvPr>
+        </p:nvSpPr>
+        <p:spPr>
+          <a:xfrm>
+            <a:off x="0" y="8685213"/>
+            <a:ext cx="2971800" cy="458787"/>
+          </a:xfrm>
+          <a:prstGeom prst="rect">
+            <a:avLst/>
+          </a:prstGeom>
+        </p:spPr>
+        <p:txBody>
+          <a:bodyPr vert="horz" lIns="91440" tIns="45720" rIns="91440" bIns="45720" rtlCol="0" anchor="b"/>
+          <a:lstStyle>
+            <a:lvl1pPr algn="l">
+              <a:defRPr sz="1200"/>
+            </a:lvl1pPr>
+          </a:lstStyle>
+          <a:p>
+            <a:endParaRPr lang="en-US"/>
+          </a:p>
+        </p:txBody>
+      </p:sp>
+      <p:sp>
+        <p:nvSpPr>
+          <p:cNvPr id="7" name="Slide Number Placeholder 6"/>
+          <p:cNvSpPr>
+            <a:spLocks noGrp="1"/>
+          </p:cNvSpPr>
+          <p:nvPr>
+            <p:ph type="sldNum" sz="quarter" idx="5"/>
+          </p:nvPr>
+        </p:nvSpPr>
+        <p:spPr>
+          <a:xfrm>
+            <a:off x="3884613" y="8685213"/>
+            <a:ext cx="2971800" cy="458787"/>
+          </a:xfrm>
+          <a:prstGeom prst="rect">
+            <a:avLst/>
+          </a:prstGeom>
+        </p:spPr>
+        <p:txBody>
+          <a:bodyPr vert="horz" lIns="91440" tIns="45720" rIns="91440" bIns="45720" rtlCol="0" anchor="b"/>
+          <a:lstStyle>
+            <a:lvl1pPr algn="r">
+              <a:defRPr sz="1200"/>
+            </a:lvl1pPr>
+          </a:lstStyle>
+          <a:p>
+            <a:fld id="{2963844B-A6D5-42D1-94DA-4DD922D1DDE7}" type="slidenum">
+              <a:rPr lang="en-US" smtClean="0"/>
+              <a:t>‹#›</a:t>
+            </a:fld>
+            <a:endParaRPr lang="en-US"/>
+          </a:p>
+        </p:txBody>
+      </p:sp>
+    </p:spTree>
+    <p:extLst>
+      <p:ext uri="{BB962C8B-B14F-4D97-AF65-F5344CB8AC3E}">
+        <p14:creationId xmlns:p14="http://schemas.microsoft.com/office/powerpoint/2010/main" val="285151875"/>
+      </p:ext>
+    </p:extLst>
+  </p:cSld>
+  <p:clrMap bg1="lt1" tx1="dk1" bg2="lt2" tx2="dk2" accent1="accent1" accent2="accent2" accent3="accent3" accent4="accent4" accent5="accent5" accent6="accent6" hlink="hlink" folHlink="folHlink"/>
+  <p:notesStyle>
+    <a:lvl1pPr marL="0" algn="l" defTabSz="914400" rtl="0" eaLnBrk="1" latinLnBrk="0" hangingPunct="1">
+      <a:defRPr sz="1200" kern="1200">
+        <a:solidFill>
+          <a:schemeClr val="tx1"/>
+        </a:solidFill>
+        <a:latin typeface="+mn-lt"/>
+        <a:ea typeface="+mn-ea"/>
+        <a:cs typeface="+mn-cs"/>
+      </a:defRPr>
+    </a:lvl1pPr>
+    <a:lvl2pPr marL="457200" algn="l" defTabSz="914400" rtl="0" eaLnBrk="1" latinLnBrk="0" hangingPunct="1">
+      <a:defRPr sz="1200" kern="1200">
+        <a:solidFill>
+          <a:schemeClr val="tx1"/>
+        </a:solidFill>
+        <a:latin typeface="+mn-lt"/>
+        <a:ea typeface="+mn-ea"/>
+        <a:cs typeface="+mn-cs"/>
+      </a:defRPr>
+    </a:lvl2pPr>
+    <a:lvl3pPr marL="914400" algn="l" defTabSz="914400" rtl="0" eaLnBrk="1" latinLnBrk="0" hangingPunct="1">
+      <a:defRPr sz="1200" kern="1200">
+        <a:solidFill>
+          <a:schemeClr val="tx1"/>
+        </a:solidFill>
+        <a:latin typeface="+mn-lt"/>
+        <a:ea typeface="+mn-ea"/>
+        <a:cs typeface="+mn-cs"/>
+      </a:defRPr>
+    </a:lvl3pPr>
+    <a:lvl4pPr marL="1371600" algn="l" defTabSz="914400" rtl="0" eaLnBrk="1" latinLnBrk="0" hangingPunct="1">
+      <a:defRPr sz="1200" kern="1200">
+        <a:solidFill>
+          <a:schemeClr val="tx1"/>
+        </a:solidFill>
+        <a:latin typeface="+mn-lt"/>
+        <a:ea typeface="+mn-ea"/>
+        <a:cs typeface="+mn-cs"/>
+      </a:defRPr>
+    </a:lvl4pPr>
+    <a:lvl5pPr marL="1828800" algn="l" defTabSz="914400" rtl="0" eaLnBrk="1" latinLnBrk="0" hangingPunct="1">
+      <a:defRPr sz="1200" kern="1200">
+        <a:solidFill>
+          <a:schemeClr val="tx1"/>
+        </a:solidFill>
+        <a:latin typeface="+mn-lt"/>
+        <a:ea typeface="+mn-ea"/>
+        <a:cs typeface="+mn-cs"/>
+      </a:defRPr>
+    </a:lvl5pPr>
+    <a:lvl6pPr marL="2286000" algn="l" defTabSz="914400" rtl="0" eaLnBrk="1" latinLnBrk="0" hangingPunct="1">
+      <a:defRPr sz="1200" kern="1200">
+        <a:solidFill>
+          <a:schemeClr val="tx1"/>
+        </a:solidFill>
+        <a:latin typeface="+mn-lt"/>
+        <a:ea typeface="+mn-ea"/>
+        <a:cs typeface="+mn-cs"/>
+      </a:defRPr>
+    </a:lvl6pPr>
+    <a:lvl7pPr marL="2743200" algn="l" defTabSz="914400" rtl="0" eaLnBrk="1" latinLnBrk="0" hangingPunct="1">
+      <a:defRPr sz="1200" kern="1200">
+        <a:solidFill>
+          <a:schemeClr val="tx1"/>
+        </a:solidFill>
+        <a:latin typeface="+mn-lt"/>
+        <a:ea typeface="+mn-ea"/>
+        <a:cs typeface="+mn-cs"/>
+      </a:defRPr>
+    </a:lvl7pPr>
+    <a:lvl8pPr marL="3200400" algn="l" defTabSz="914400" rtl="0" eaLnBrk="1" latinLnBrk="0" hangingPunct="1">
+      <a:defRPr sz="1200" kern="1200">
+        <a:solidFill>
+          <a:schemeClr val="tx1"/>
+        </a:solidFill>
+        <a:latin typeface="+mn-lt"/>
+        <a:ea typeface="+mn-ea"/>
+        <a:cs typeface="+mn-cs"/>
+      </a:defRPr>
+    </a:lvl8pPr>
+    <a:lvl9pPr marL="3657600" algn="l" defTabSz="914400" rtl="0" eaLnBrk="1" latinLnBrk="0" hangingPunct="1">
+      <a:defRPr sz="1200" kern="1200">
+        <a:solidFill>
+          <a:schemeClr val="tx1"/>
+        </a:solidFill>
+        <a:latin typeface="+mn-lt"/>
+        <a:ea typeface="+mn-ea"/>
+        <a:cs typeface="+mn-cs"/>
+      </a:defRPr>
+    </a:lvl9pPr>
+  </p:notesStyle>
+</p:notesMaster>
+</file>
+
+<file path=ppt/notesSlides/notesSlide1.xml><?xml version="1.0" encoding="utf-8"?>
+<p:notes xmlns:a="http://schemas.openxmlformats.org/drawingml/2006/main" xmlns:r="http://schemas.openxmlformats.org/officeDocument/2006/relationships" xmlns:p="http://schemas.openxmlformats.org/presentationml/2006/main">
+  <p:cSld>
+    <p:spTree>
+      <p:nvGrpSpPr>
+        <p:cNvPr id="1" name=""/>
+        <p:cNvGrpSpPr/>
+        <p:nvPr/>
+      </p:nvGrpSpPr>
+      <p:grpSpPr>
+        <a:xfrm>
+          <a:off x="0" y="0"/>
+          <a:ext cx="0" cy="0"/>
+          <a:chOff x="0" y="0"/>
+          <a:chExt cx="0" cy="0"/>
+        </a:xfrm>
+      </p:grpSpPr>
+      <p:sp>
+        <p:nvSpPr>
+          <p:cNvPr id="2" name="Slide Image Placeholder 1"/>
+          <p:cNvSpPr>
+            <a:spLocks noGrp="1" noRot="1" noChangeAspect="1"/>
+          </p:cNvSpPr>
+          <p:nvPr>
+            <p:ph type="sldImg"/>
+          </p:nvPr>
+        </p:nvSpPr>
+        <p:spPr/>
+      </p:sp>
+      <p:sp>
+        <p:nvSpPr>
+          <p:cNvPr id="3" name="Notes Placeholder 2"/>
+          <p:cNvSpPr>
+            <a:spLocks noGrp="1"/>
+          </p:cNvSpPr>
+          <p:nvPr>
+            <p:ph type="body" idx="1"/>
+          </p:nvPr>
+        </p:nvSpPr>
+        <p:spPr/>
+        <p:txBody>
+          <a:bodyPr/>
+          <a:lstStyle/>
+          <a:p>
+            <a:endParaRPr lang="en-US" dirty="0"/>
+          </a:p>
+        </p:txBody>
+      </p:sp>
+      <p:sp>
+        <p:nvSpPr>
+          <p:cNvPr id="4" name="Slide Number Placeholder 3"/>
+          <p:cNvSpPr>
+            <a:spLocks noGrp="1"/>
+          </p:cNvSpPr>
+          <p:nvPr>
+            <p:ph type="sldNum" sz="quarter" idx="10"/>
+          </p:nvPr>
+        </p:nvSpPr>
+        <p:spPr/>
+        <p:txBody>
+          <a:bodyPr/>
+          <a:lstStyle/>
+          <a:p>
+            <a:fld id="{2963844B-A6D5-42D1-94DA-4DD922D1DDE7}" type="slidenum">
+              <a:rPr lang="en-US" smtClean="0"/>
+              <a:t>3</a:t>
+            </a:fld>
+            <a:endParaRPr lang="en-US"/>
+          </a:p>
+        </p:txBody>
+      </p:sp>
+    </p:spTree>
+    <p:extLst>
+      <p:ext uri="{BB962C8B-B14F-4D97-AF65-F5344CB8AC3E}">
+        <p14:creationId xmlns:p14="http://schemas.microsoft.com/office/powerpoint/2010/main" val="1961476181"/>
+      </p:ext>
+    </p:extLst>
+  </p:cSld>
+  <p:clrMapOvr>
+    <a:masterClrMapping/>
+  </p:clrMapOvr>
+</p:notes>
 </file>
 
 <file path=ppt/slideLayouts/slideLayout1.xml><?xml version="1.0" encoding="utf-8"?>
@@ -3491,7 +3945,12 @@
             <p:ph type="ctrTitle"/>
           </p:nvPr>
         </p:nvSpPr>
-        <p:spPr/>
+        <p:spPr>
+          <a:xfrm>
+            <a:off x="611560" y="260648"/>
+            <a:ext cx="7772400" cy="1470025"/>
+          </a:xfrm>
+        </p:spPr>
         <p:txBody>
           <a:bodyPr/>
           <a:lstStyle/>
@@ -3508,25 +3967,48 @@
           </a:p>
         </p:txBody>
       </p:sp>
-      <p:sp>
-        <p:nvSpPr>
-          <p:cNvPr id="3" name="副标题 2"/>
-          <p:cNvSpPr>
-            <a:spLocks noGrp="1"/>
-          </p:cNvSpPr>
-          <p:nvPr>
-            <p:ph type="subTitle" idx="1"/>
-          </p:nvPr>
-        </p:nvSpPr>
-        <p:spPr/>
-        <p:txBody>
-          <a:bodyPr/>
-          <a:lstStyle/>
-          <a:p>
-            <a:endParaRPr lang="en-US" dirty="0"/>
-          </a:p>
-        </p:txBody>
-      </p:sp>
+      <p:pic>
+        <p:nvPicPr>
+          <p:cNvPr id="5" name="Picture 4"/>
+          <p:cNvPicPr>
+            <a:picLocks noChangeAspect="1"/>
+          </p:cNvPicPr>
+          <p:nvPr/>
+        </p:nvPicPr>
+        <p:blipFill>
+          <a:blip r:embed="rId2">
+            <a:extLst>
+              <a:ext uri="{28A0092B-C50C-407E-A947-70E740481C1C}">
+                <a14:useLocalDpi xmlns:a14="http://schemas.microsoft.com/office/drawing/2010/main" val="0"/>
+              </a:ext>
+            </a:extLst>
+          </a:blip>
+          <a:stretch>
+            <a:fillRect/>
+          </a:stretch>
+        </p:blipFill>
+        <p:spPr>
+          <a:xfrm>
+            <a:off x="1907704" y="2204864"/>
+            <a:ext cx="4932040" cy="3699030"/>
+          </a:xfrm>
+          <a:prstGeom prst="rect">
+            <a:avLst/>
+          </a:prstGeom>
+          <a:ln w="88900" cap="sq" cmpd="thickThin">
+            <a:solidFill>
+              <a:srgbClr val="000000"/>
+            </a:solidFill>
+            <a:prstDash val="solid"/>
+            <a:miter lim="800000"/>
+          </a:ln>
+          <a:effectLst>
+            <a:innerShdw blurRad="76200">
+              <a:srgbClr val="000000"/>
+            </a:innerShdw>
+          </a:effectLst>
+        </p:spPr>
+      </p:pic>
     </p:spTree>
     <p:extLst>
       <p:ext uri="{BB962C8B-B14F-4D97-AF65-F5344CB8AC3E}">
@@ -3820,8 +4302,8 @@
         </p:nvSpPr>
         <p:spPr>
           <a:xfrm>
-            <a:off x="281826" y="4581128"/>
-            <a:ext cx="8738717" cy="1908215"/>
+            <a:off x="269784" y="1023406"/>
+            <a:ext cx="8738717" cy="1631216"/>
           </a:xfrm>
           <a:prstGeom prst="rect">
             <a:avLst/>
@@ -3835,38 +4317,22 @@
           <a:lstStyle/>
           <a:p>
             <a:r>
-              <a:rPr lang="en-US" sz="2800" b="1" dirty="0" smtClean="0"/>
+              <a:rPr lang="en-US" sz="2800" dirty="0" smtClean="0"/>
               <a:t>Instant </a:t>
             </a:r>
             <a:r>
-              <a:rPr lang="en-US" sz="2800" b="1" dirty="0" err="1" smtClean="0"/>
+              <a:rPr lang="en-US" sz="2800" dirty="0" err="1" smtClean="0"/>
               <a:t>Radiostiy</a:t>
             </a:r>
             <a:r>
-              <a:rPr lang="en-US" sz="2800" b="1" dirty="0" smtClean="0"/>
+              <a:rPr lang="en-US" sz="2800" dirty="0" smtClean="0"/>
               <a:t> </a:t>
             </a:r>
             <a:r>
-              <a:rPr lang="en-US" b="1" dirty="0" smtClean="0"/>
-              <a:t>is a global illumination algorithm in the sense that the illumination arriving at the eye comes not just the light sources, but all the scene surfaces interacting with each other as well. This algorithm has many advantages, for example, easy implementation, converge fast than other global illumination algorithm, low discrepancy and viewpoint independent. And scholar  </a:t>
-            </a:r>
-            <a:r>
-              <a:rPr lang="en-US" b="1" dirty="0" err="1" smtClean="0"/>
-              <a:t>Alxendar</a:t>
-            </a:r>
-            <a:r>
-              <a:rPr lang="en-US" b="1" dirty="0" smtClean="0"/>
-              <a:t> Keller’s  gave an elegant approach to compute instant </a:t>
-            </a:r>
-            <a:r>
-              <a:rPr lang="en-US" b="1" dirty="0" err="1" smtClean="0"/>
-              <a:t>radiosity</a:t>
-            </a:r>
-            <a:r>
-              <a:rPr lang="en-US" b="1" dirty="0" smtClean="0"/>
-              <a:t>.</a:t>
-            </a:r>
-            <a:endParaRPr lang="en-US" b="1" dirty="0"/>
+              <a:rPr lang="en-US" dirty="0" smtClean="0"/>
+              <a:t>is a global illumination algorithm in the sense that the illumination arriving at the eye comes not just the light sources, but all the scene surfaces interacting with each other as well. This algorithm has many advantages, for example, easy implementation, converge fast than other global illumination algorithm, low discrepancy and viewpoint independent. </a:t>
+            </a:r>
+            <a:endParaRPr lang="en-US" dirty="0"/>
           </a:p>
         </p:txBody>
       </p:sp>
@@ -3893,13 +4359,26 @@
         </p:blipFill>
         <p:spPr bwMode="auto">
           <a:xfrm>
-            <a:off x="2546786" y="908720"/>
+            <a:off x="2534743" y="2913324"/>
             <a:ext cx="6473758" cy="3240360"/>
           </a:xfrm>
           <a:prstGeom prst="rect">
             <a:avLst/>
           </a:prstGeom>
-          <a:noFill/>
+          <a:ln w="38100" cap="sq">
+            <a:solidFill>
+              <a:srgbClr val="000000"/>
+            </a:solidFill>
+            <a:prstDash val="solid"/>
+            <a:miter lim="800000"/>
+          </a:ln>
+          <a:effectLst>
+            <a:outerShdw blurRad="50800" dist="38100" dir="2700000" algn="tl" rotWithShape="0">
+              <a:srgbClr val="000000">
+                <a:alpha val="43000"/>
+              </a:srgbClr>
+            </a:outerShdw>
+          </a:effectLst>
           <a:extLst>
             <a:ext uri="{909E8E84-426E-40DD-AFC4-6F175D3DCCD1}">
               <a14:hiddenFill xmlns:a14="http://schemas.microsoft.com/office/drawing/2010/main">
@@ -3919,7 +4398,7 @@
         </p:nvSpPr>
         <p:spPr>
           <a:xfrm>
-            <a:off x="281826" y="1902311"/>
+            <a:off x="269784" y="3284984"/>
             <a:ext cx="2129934" cy="2246769"/>
           </a:xfrm>
           <a:prstGeom prst="rect">
@@ -3935,26 +4414,50 @@
           <a:p>
             <a:pPr algn="just"/>
             <a:r>
-              <a:rPr lang="en-US" sz="1400" b="1" dirty="0" smtClean="0"/>
+              <a:rPr lang="en-US" sz="1400" dirty="0" smtClean="0"/>
               <a:t>The two pictures on the right rendered by direct illumination and </a:t>
             </a:r>
             <a:r>
-              <a:rPr lang="en-US" sz="1400" b="1" dirty="0" err="1" smtClean="0"/>
-              <a:t>Radiosity</a:t>
-            </a:r>
-            <a:r>
-              <a:rPr lang="en-US" sz="1400" b="1" dirty="0" smtClean="0"/>
-              <a:t> respectively. The picture using </a:t>
-            </a:r>
-            <a:r>
-              <a:rPr lang="en-US" sz="1400" b="1" dirty="0" err="1" smtClean="0"/>
-              <a:t>Radiosity</a:t>
-            </a:r>
-            <a:r>
-              <a:rPr lang="en-US" sz="1400" b="1" dirty="0" smtClean="0"/>
-              <a:t> shows more realistic, the shadow looks more soft and light distributed more evenly.</a:t>
-            </a:r>
-            <a:endParaRPr lang="en-US" sz="1400" b="1" dirty="0"/>
+              <a:rPr lang="en-US" sz="1400" dirty="0" err="1"/>
+              <a:t>r</a:t>
+            </a:r>
+            <a:r>
+              <a:rPr lang="en-US" sz="1400" dirty="0" err="1" smtClean="0"/>
+              <a:t>adiosity</a:t>
+            </a:r>
+            <a:r>
+              <a:rPr lang="en-US" sz="1400" dirty="0" smtClean="0"/>
+              <a:t> </a:t>
+            </a:r>
+            <a:r>
+              <a:rPr lang="en-US" sz="1400" dirty="0" smtClean="0"/>
+              <a:t>respectively. The picture using </a:t>
+            </a:r>
+            <a:r>
+              <a:rPr lang="en-US" sz="1400" dirty="0" err="1" smtClean="0"/>
+              <a:t>r</a:t>
+            </a:r>
+            <a:r>
+              <a:rPr lang="en-US" sz="1400" dirty="0" err="1" smtClean="0"/>
+              <a:t>adiosity</a:t>
+            </a:r>
+            <a:r>
+              <a:rPr lang="en-US" sz="1400" dirty="0" smtClean="0"/>
+              <a:t> is more realistic. The shadows are </a:t>
+            </a:r>
+            <a:r>
+              <a:rPr lang="en-US" sz="1400" dirty="0" smtClean="0"/>
+              <a:t>more soft </a:t>
+            </a:r>
+            <a:r>
+              <a:rPr lang="en-US" sz="1400" dirty="0" smtClean="0"/>
+              <a:t>and the </a:t>
+            </a:r>
+            <a:r>
+              <a:rPr lang="en-US" sz="1400" dirty="0" smtClean="0"/>
+              <a:t>light distributed more evenly.</a:t>
+            </a:r>
+            <a:endParaRPr lang="en-US" sz="1400" dirty="0"/>
           </a:p>
         </p:txBody>
       </p:sp>
@@ -3995,76 +4498,368 @@
           <a:chExt cx="0" cy="0"/>
         </a:xfrm>
       </p:grpSpPr>
-      <p:sp>
-        <p:nvSpPr>
-          <p:cNvPr id="3" name="内容占位符 2"/>
-          <p:cNvSpPr>
-            <a:spLocks noGrp="1"/>
-          </p:cNvSpPr>
-          <p:nvPr>
-            <p:ph idx="1"/>
-          </p:nvPr>
-        </p:nvSpPr>
-        <p:spPr/>
-        <p:txBody>
-          <a:bodyPr/>
+      <p:cxnSp>
+        <p:nvCxnSpPr>
+          <p:cNvPr id="4" name="直接连接符 3"/>
+          <p:cNvCxnSpPr/>
+          <p:nvPr/>
+        </p:nvCxnSpPr>
+        <p:spPr>
+          <a:xfrm>
+            <a:off x="0" y="692696"/>
+            <a:ext cx="9144000" cy="72008"/>
+          </a:xfrm>
+          <a:prstGeom prst="line">
+            <a:avLst/>
+          </a:prstGeom>
+        </p:spPr>
+        <p:style>
+          <a:lnRef idx="1">
+            <a:schemeClr val="accent1"/>
+          </a:lnRef>
+          <a:fillRef idx="0">
+            <a:schemeClr val="accent1"/>
+          </a:fillRef>
+          <a:effectRef idx="0">
+            <a:schemeClr val="accent1"/>
+          </a:effectRef>
+          <a:fontRef idx="minor">
+            <a:schemeClr val="tx1"/>
+          </a:fontRef>
+        </p:style>
+      </p:cxnSp>
+      <p:sp>
+        <p:nvSpPr>
+          <p:cNvPr id="5" name="TextBox 4"/>
+          <p:cNvSpPr txBox="1"/>
+          <p:nvPr/>
+        </p:nvSpPr>
+        <p:spPr>
+          <a:xfrm>
+            <a:off x="3391222" y="79467"/>
+            <a:ext cx="5580112" cy="584775"/>
+          </a:xfrm>
+          <a:prstGeom prst="rect">
+            <a:avLst/>
+          </a:prstGeom>
+          <a:noFill/>
+        </p:spPr>
+        <p:txBody>
+          <a:bodyPr wrap="square" rtlCol="0">
+            <a:spAutoFit/>
+          </a:bodyPr>
           <a:lstStyle/>
           <a:p>
+            <a:pPr algn="r"/>
+            <a:r>
+              <a:rPr lang="en-US" sz="3200" b="1" dirty="0" err="1" smtClean="0">
+                <a:ln w="10541" cmpd="sng">
+                  <a:solidFill>
+                    <a:schemeClr val="accent1">
+                      <a:shade val="88000"/>
+                      <a:satMod val="110000"/>
+                    </a:schemeClr>
+                  </a:solidFill>
+                  <a:prstDash val="solid"/>
+                </a:ln>
+                <a:gradFill>
+                  <a:gsLst>
+                    <a:gs pos="0">
+                      <a:schemeClr val="accent1">
+                        <a:tint val="40000"/>
+                        <a:satMod val="250000"/>
+                      </a:schemeClr>
+                    </a:gs>
+                    <a:gs pos="9000">
+                      <a:schemeClr val="accent1">
+                        <a:tint val="52000"/>
+                        <a:satMod val="300000"/>
+                      </a:schemeClr>
+                    </a:gs>
+                    <a:gs pos="50000">
+                      <a:schemeClr val="accent1">
+                        <a:shade val="20000"/>
+                        <a:satMod val="300000"/>
+                      </a:schemeClr>
+                    </a:gs>
+                    <a:gs pos="79000">
+                      <a:schemeClr val="accent1">
+                        <a:tint val="52000"/>
+                        <a:satMod val="300000"/>
+                      </a:schemeClr>
+                    </a:gs>
+                    <a:gs pos="100000">
+                      <a:schemeClr val="accent1">
+                        <a:tint val="40000"/>
+                        <a:satMod val="250000"/>
+                      </a:schemeClr>
+                    </a:gs>
+                  </a:gsLst>
+                  <a:lin ang="5400000"/>
+                </a:gradFill>
+              </a:rPr>
+              <a:t>Raytracing</a:t>
+            </a:r>
+            <a:endParaRPr lang="en-US" sz="3200" b="1" dirty="0">
+              <a:ln w="10541" cmpd="sng">
+                <a:solidFill>
+                  <a:schemeClr val="accent1">
+                    <a:shade val="88000"/>
+                    <a:satMod val="110000"/>
+                  </a:schemeClr>
+                </a:solidFill>
+                <a:prstDash val="solid"/>
+              </a:ln>
+              <a:gradFill>
+                <a:gsLst>
+                  <a:gs pos="0">
+                    <a:schemeClr val="accent1">
+                      <a:tint val="40000"/>
+                      <a:satMod val="250000"/>
+                    </a:schemeClr>
+                  </a:gs>
+                  <a:gs pos="9000">
+                    <a:schemeClr val="accent1">
+                      <a:tint val="52000"/>
+                      <a:satMod val="300000"/>
+                    </a:schemeClr>
+                  </a:gs>
+                  <a:gs pos="50000">
+                    <a:schemeClr val="accent1">
+                      <a:shade val="20000"/>
+                      <a:satMod val="300000"/>
+                    </a:schemeClr>
+                  </a:gs>
+                  <a:gs pos="79000">
+                    <a:schemeClr val="accent1">
+                      <a:tint val="52000"/>
+                      <a:satMod val="300000"/>
+                    </a:schemeClr>
+                  </a:gs>
+                  <a:gs pos="100000">
+                    <a:schemeClr val="accent1">
+                      <a:tint val="40000"/>
+                      <a:satMod val="250000"/>
+                    </a:schemeClr>
+                  </a:gs>
+                </a:gsLst>
+                <a:lin ang="5400000"/>
+              </a:gradFill>
+            </a:endParaRPr>
+          </a:p>
+        </p:txBody>
+      </p:sp>
+      <p:sp>
+        <p:nvSpPr>
+          <p:cNvPr id="6" name="TextBox 5"/>
+          <p:cNvSpPr txBox="1"/>
+          <p:nvPr/>
+        </p:nvSpPr>
+        <p:spPr>
+          <a:xfrm>
+            <a:off x="179512" y="793158"/>
+            <a:ext cx="3528392" cy="5632311"/>
+          </a:xfrm>
+          <a:prstGeom prst="rect">
+            <a:avLst/>
+          </a:prstGeom>
+          <a:noFill/>
+        </p:spPr>
+        <p:txBody>
+          <a:bodyPr wrap="square" rtlCol="0">
+            <a:spAutoFit/>
+          </a:bodyPr>
+          <a:lstStyle/>
+          <a:p>
             <a:r>
               <a:rPr lang="en-US" dirty="0" smtClean="0"/>
-              <a:t>1. One slide </a:t>
+              <a:t>For implementation of the instant </a:t>
             </a:r>
             <a:r>
               <a:rPr lang="en-US" dirty="0" err="1" smtClean="0"/>
-              <a:t>backgroud</a:t>
-            </a:r>
-            <a:endParaRPr lang="en-US" dirty="0" smtClean="0"/>
-          </a:p>
-          <a:p>
+              <a:t>radiosity</a:t>
+            </a:r>
             <a:r>
               <a:rPr lang="en-US" dirty="0" smtClean="0"/>
-              <a:t>2. One slide </a:t>
+              <a:t> method, we developed a simple ray tracer rather then building the instant </a:t>
+            </a:r>
+            <a:r>
+              <a:rPr lang="en-US" dirty="0" err="1" smtClean="0"/>
+              <a:t>radiosity</a:t>
+            </a:r>
+            <a:r>
+              <a:rPr lang="en-US" dirty="0" smtClean="0"/>
+              <a:t> method into an existing </a:t>
             </a:r>
             <a:r>
               <a:rPr lang="en-US" dirty="0" err="1" smtClean="0"/>
               <a:t>raytracer</a:t>
             </a:r>
+            <a:r>
+              <a:rPr lang="en-US" dirty="0" smtClean="0"/>
+              <a:t>.</a:t>
+            </a:r>
+          </a:p>
+          <a:p>
             <a:endParaRPr lang="en-US" dirty="0" smtClean="0"/>
           </a:p>
           <a:p>
+            <a:endParaRPr lang="en-US" dirty="0" smtClean="0"/>
+          </a:p>
+          <a:p>
+            <a:r>
+              <a:rPr lang="en-US" dirty="0"/>
+              <a:t>General outline of ray tracer</a:t>
+            </a:r>
             <a:r>
               <a:rPr lang="en-US" dirty="0" smtClean="0"/>
-              <a:t>3. One slide for instant </a:t>
-            </a:r>
-            <a:r>
-              <a:rPr lang="en-US" dirty="0" err="1" smtClean="0"/>
-              <a:t>radiosity</a:t>
-            </a:r>
+              <a:t>:</a:t>
+            </a:r>
+            <a:endParaRPr lang="en-US" dirty="0"/>
+          </a:p>
+          <a:p>
+            <a:r>
+              <a:rPr lang="en-US" dirty="0" smtClean="0"/>
+              <a:t>(1</a:t>
+            </a:r>
+            <a:r>
+              <a:rPr lang="en-US" dirty="0"/>
+              <a:t>) Shoot ray through each pixel in the image plane. </a:t>
+            </a:r>
+          </a:p>
+          <a:p>
+            <a:r>
+              <a:rPr lang="en-US" dirty="0" smtClean="0"/>
+              <a:t>(2</a:t>
+            </a:r>
+            <a:r>
+              <a:rPr lang="en-US" dirty="0"/>
+              <a:t>) Find nearest intersecting object.</a:t>
+            </a:r>
+          </a:p>
+          <a:p>
+            <a:r>
+              <a:rPr lang="en-US" dirty="0" smtClean="0"/>
+              <a:t>(3</a:t>
+            </a:r>
+            <a:r>
+              <a:rPr lang="en-US" dirty="0"/>
+              <a:t>) Accumulate radiance from VPLs and scale the diffuse color by this value.</a:t>
+            </a:r>
+          </a:p>
+          <a:p>
+            <a:r>
+              <a:rPr lang="en-US" dirty="0" smtClean="0"/>
+              <a:t>(4)Set </a:t>
+            </a:r>
+            <a:r>
+              <a:rPr lang="en-US" dirty="0" err="1"/>
+              <a:t>imagebuffer</a:t>
+            </a:r>
+            <a:r>
+              <a:rPr lang="en-US" dirty="0"/>
+              <a:t> pixel to color generated from ray cast.</a:t>
+            </a:r>
+          </a:p>
+          <a:p>
             <a:endParaRPr lang="en-US" dirty="0" smtClean="0"/>
           </a:p>
           <a:p>
-            <a:r>
-              <a:rPr lang="en-US" dirty="0" smtClean="0"/>
-              <a:t>4. 3-5 pictures with small description</a:t>
-            </a:r>
-          </a:p>
-          <a:p>
-            <a:r>
-              <a:rPr lang="en-US" dirty="0" smtClean="0"/>
-              <a:t>5. </a:t>
-            </a:r>
-            <a:r>
-              <a:rPr lang="en-US" smtClean="0"/>
-              <a:t>Future work.</a:t>
-            </a:r>
+            <a:endParaRPr lang="en-US" dirty="0" smtClean="0"/>
+          </a:p>
+          <a:p>
+            <a:pPr marL="285750" indent="-285750">
+              <a:buFontTx/>
+              <a:buChar char="-"/>
+            </a:pPr>
             <a:endParaRPr lang="en-US" dirty="0"/>
+          </a:p>
+        </p:txBody>
+      </p:sp>
+      <p:pic>
+        <p:nvPicPr>
+          <p:cNvPr id="3" name="Picture 2"/>
+          <p:cNvPicPr>
+            <a:picLocks noChangeAspect="1"/>
+          </p:cNvPicPr>
+          <p:nvPr/>
+        </p:nvPicPr>
+        <p:blipFill>
+          <a:blip r:embed="rId3">
+            <a:extLst>
+              <a:ext uri="{28A0092B-C50C-407E-A947-70E740481C1C}">
+                <a14:useLocalDpi xmlns:a14="http://schemas.microsoft.com/office/drawing/2010/main" val="0"/>
+              </a:ext>
+            </a:extLst>
+          </a:blip>
+          <a:stretch>
+            <a:fillRect/>
+          </a:stretch>
+        </p:blipFill>
+        <p:spPr>
+          <a:xfrm>
+            <a:off x="3779912" y="1094872"/>
+            <a:ext cx="4890120" cy="3251930"/>
+          </a:xfrm>
+          <a:prstGeom prst="rect">
+            <a:avLst/>
+          </a:prstGeom>
+          <a:ln>
+            <a:noFill/>
+          </a:ln>
+          <a:effectLst>
+            <a:outerShdw blurRad="190500" algn="tl" rotWithShape="0">
+              <a:srgbClr val="000000">
+                <a:alpha val="70000"/>
+              </a:srgbClr>
+            </a:outerShdw>
+          </a:effectLst>
+        </p:spPr>
+      </p:pic>
+      <p:sp>
+        <p:nvSpPr>
+          <p:cNvPr id="8" name="TextBox 7"/>
+          <p:cNvSpPr txBox="1"/>
+          <p:nvPr/>
+        </p:nvSpPr>
+        <p:spPr>
+          <a:xfrm>
+            <a:off x="4853608" y="4509120"/>
+            <a:ext cx="3816424" cy="1815882"/>
+          </a:xfrm>
+          <a:prstGeom prst="rect">
+            <a:avLst/>
+          </a:prstGeom>
+          <a:noFill/>
+        </p:spPr>
+        <p:txBody>
+          <a:bodyPr wrap="square" rtlCol="0">
+            <a:spAutoFit/>
+          </a:bodyPr>
+          <a:lstStyle/>
+          <a:p>
+            <a:r>
+              <a:rPr lang="en-US" sz="1400" dirty="0"/>
+              <a:t>Due to time constraints, we wanted to be able to focus more time of implementing the radiance accumulation than additional features of the ray tracer. Because of </a:t>
+            </a:r>
+            <a:r>
+              <a:rPr lang="en-US" sz="1400" dirty="0" smtClean="0"/>
+              <a:t>this, </a:t>
+            </a:r>
+            <a:r>
+              <a:rPr lang="en-US" sz="1400" dirty="0"/>
+              <a:t>we decided to forgo implementing shadows, ray reflections and ray refractions until we had the general radiance accumulation method working.</a:t>
+            </a:r>
+          </a:p>
+          <a:p>
+            <a:endParaRPr lang="en-US" sz="1400" dirty="0"/>
           </a:p>
         </p:txBody>
       </p:sp>
     </p:spTree>
     <p:extLst>
       <p:ext uri="{BB962C8B-B14F-4D97-AF65-F5344CB8AC3E}">
-        <p14:creationId xmlns:p14="http://schemas.microsoft.com/office/powerpoint/2010/main" val="3591959768"/>
+        <p14:creationId xmlns:p14="http://schemas.microsoft.com/office/powerpoint/2010/main" val="2442998451"/>
       </p:ext>
     </p:extLst>
   </p:cSld>
@@ -4082,109 +4877,6 @@
 </file>
 
 <file path=ppt/slides/slide4.xml><?xml version="1.0" encoding="utf-8"?>
-<p:sld xmlns:a="http://schemas.openxmlformats.org/drawingml/2006/main" xmlns:r="http://schemas.openxmlformats.org/officeDocument/2006/relationships" xmlns:p="http://schemas.openxmlformats.org/presentationml/2006/main">
-  <p:cSld>
-    <p:spTree>
-      <p:nvGrpSpPr>
-        <p:cNvPr id="1" name=""/>
-        <p:cNvGrpSpPr/>
-        <p:nvPr/>
-      </p:nvGrpSpPr>
-      <p:grpSpPr>
-        <a:xfrm>
-          <a:off x="0" y="0"/>
-          <a:ext cx="0" cy="0"/>
-          <a:chOff x="0" y="0"/>
-          <a:chExt cx="0" cy="0"/>
-        </a:xfrm>
-      </p:grpSpPr>
-      <p:sp>
-        <p:nvSpPr>
-          <p:cNvPr id="3" name="内容占位符 2"/>
-          <p:cNvSpPr>
-            <a:spLocks noGrp="1"/>
-          </p:cNvSpPr>
-          <p:nvPr>
-            <p:ph idx="1"/>
-          </p:nvPr>
-        </p:nvSpPr>
-        <p:spPr/>
-        <p:txBody>
-          <a:bodyPr/>
-          <a:lstStyle/>
-          <a:p>
-            <a:r>
-              <a:rPr lang="en-US" dirty="0" smtClean="0"/>
-              <a:t>1. One slide </a:t>
-            </a:r>
-            <a:r>
-              <a:rPr lang="en-US" dirty="0" err="1" smtClean="0"/>
-              <a:t>backgroud</a:t>
-            </a:r>
-            <a:endParaRPr lang="en-US" dirty="0" smtClean="0"/>
-          </a:p>
-          <a:p>
-            <a:r>
-              <a:rPr lang="en-US" dirty="0" smtClean="0"/>
-              <a:t>2. One slide </a:t>
-            </a:r>
-            <a:r>
-              <a:rPr lang="en-US" dirty="0" err="1" smtClean="0"/>
-              <a:t>raytracer</a:t>
-            </a:r>
-            <a:endParaRPr lang="en-US" dirty="0" smtClean="0"/>
-          </a:p>
-          <a:p>
-            <a:r>
-              <a:rPr lang="en-US" dirty="0" smtClean="0"/>
-              <a:t>3. One slide for instant </a:t>
-            </a:r>
-            <a:r>
-              <a:rPr lang="en-US" dirty="0" err="1" smtClean="0"/>
-              <a:t>radiosity</a:t>
-            </a:r>
-            <a:endParaRPr lang="en-US" dirty="0" smtClean="0"/>
-          </a:p>
-          <a:p>
-            <a:r>
-              <a:rPr lang="en-US" dirty="0" smtClean="0"/>
-              <a:t>4. 3-5 pictures with small description</a:t>
-            </a:r>
-          </a:p>
-          <a:p>
-            <a:r>
-              <a:rPr lang="en-US" dirty="0" smtClean="0"/>
-              <a:t>5. </a:t>
-            </a:r>
-            <a:r>
-              <a:rPr lang="en-US" smtClean="0"/>
-              <a:t>Future work.</a:t>
-            </a:r>
-            <a:endParaRPr lang="en-US" dirty="0"/>
-          </a:p>
-        </p:txBody>
-      </p:sp>
-    </p:spTree>
-    <p:extLst>
-      <p:ext uri="{BB962C8B-B14F-4D97-AF65-F5344CB8AC3E}">
-        <p14:creationId xmlns:p14="http://schemas.microsoft.com/office/powerpoint/2010/main" val="3591959768"/>
-      </p:ext>
-    </p:extLst>
-  </p:cSld>
-  <p:clrMapOvr>
-    <a:masterClrMapping/>
-  </p:clrMapOvr>
-  <p:timing>
-    <p:tnLst>
-      <p:par>
-        <p:cTn id="1" dur="indefinite" restart="never" nodeType="tmRoot"/>
-      </p:par>
-    </p:tnLst>
-  </p:timing>
-</p:sld>
-</file>
-
-<file path=ppt/slides/slide5.xml><?xml version="1.0" encoding="utf-8"?>
 <p:sld xmlns:a="http://schemas.openxmlformats.org/drawingml/2006/main" xmlns:r="http://schemas.openxmlformats.org/officeDocument/2006/relationships" xmlns:p="http://schemas.openxmlformats.org/presentationml/2006/main">
   <p:cSld>
     <p:spTree>
@@ -4766,6 +5458,294 @@
 </p:sld>
 </file>
 
+<file path=ppt/slides/slide5.xml><?xml version="1.0" encoding="utf-8"?>
+<p:sld xmlns:a="http://schemas.openxmlformats.org/drawingml/2006/main" xmlns:r="http://schemas.openxmlformats.org/officeDocument/2006/relationships" xmlns:p="http://schemas.openxmlformats.org/presentationml/2006/main">
+  <p:cSld>
+    <p:spTree>
+      <p:nvGrpSpPr>
+        <p:cNvPr id="1" name=""/>
+        <p:cNvGrpSpPr/>
+        <p:nvPr/>
+      </p:nvGrpSpPr>
+      <p:grpSpPr>
+        <a:xfrm>
+          <a:off x="0" y="0"/>
+          <a:ext cx="0" cy="0"/>
+          <a:chOff x="0" y="0"/>
+          <a:chExt cx="0" cy="0"/>
+        </a:xfrm>
+      </p:grpSpPr>
+      <p:cxnSp>
+        <p:nvCxnSpPr>
+          <p:cNvPr id="4" name="直接连接符 3"/>
+          <p:cNvCxnSpPr/>
+          <p:nvPr/>
+        </p:nvCxnSpPr>
+        <p:spPr>
+          <a:xfrm>
+            <a:off x="0" y="692696"/>
+            <a:ext cx="9144000" cy="72008"/>
+          </a:xfrm>
+          <a:prstGeom prst="line">
+            <a:avLst/>
+          </a:prstGeom>
+        </p:spPr>
+        <p:style>
+          <a:lnRef idx="1">
+            <a:schemeClr val="accent1"/>
+          </a:lnRef>
+          <a:fillRef idx="0">
+            <a:schemeClr val="accent1"/>
+          </a:fillRef>
+          <a:effectRef idx="0">
+            <a:schemeClr val="accent1"/>
+          </a:effectRef>
+          <a:fontRef idx="minor">
+            <a:schemeClr val="tx1"/>
+          </a:fontRef>
+        </p:style>
+      </p:cxnSp>
+      <p:sp>
+        <p:nvSpPr>
+          <p:cNvPr id="5" name="TextBox 4"/>
+          <p:cNvSpPr txBox="1"/>
+          <p:nvPr/>
+        </p:nvSpPr>
+        <p:spPr>
+          <a:xfrm>
+            <a:off x="7380312" y="107921"/>
+            <a:ext cx="5580112" cy="584775"/>
+          </a:xfrm>
+          <a:prstGeom prst="rect">
+            <a:avLst/>
+          </a:prstGeom>
+          <a:noFill/>
+        </p:spPr>
+        <p:txBody>
+          <a:bodyPr wrap="square" rtlCol="0">
+            <a:spAutoFit/>
+          </a:bodyPr>
+          <a:lstStyle/>
+          <a:p>
+            <a:r>
+              <a:rPr lang="en-US" sz="3200" b="1" dirty="0" smtClean="0">
+                <a:ln w="10541" cmpd="sng">
+                  <a:solidFill>
+                    <a:schemeClr val="accent1">
+                      <a:shade val="88000"/>
+                      <a:satMod val="110000"/>
+                    </a:schemeClr>
+                  </a:solidFill>
+                  <a:prstDash val="solid"/>
+                </a:ln>
+                <a:gradFill>
+                  <a:gsLst>
+                    <a:gs pos="0">
+                      <a:schemeClr val="accent1">
+                        <a:tint val="40000"/>
+                        <a:satMod val="250000"/>
+                      </a:schemeClr>
+                    </a:gs>
+                    <a:gs pos="9000">
+                      <a:schemeClr val="accent1">
+                        <a:tint val="52000"/>
+                        <a:satMod val="300000"/>
+                      </a:schemeClr>
+                    </a:gs>
+                    <a:gs pos="50000">
+                      <a:schemeClr val="accent1">
+                        <a:shade val="20000"/>
+                        <a:satMod val="300000"/>
+                      </a:schemeClr>
+                    </a:gs>
+                    <a:gs pos="79000">
+                      <a:schemeClr val="accent1">
+                        <a:tint val="52000"/>
+                        <a:satMod val="300000"/>
+                      </a:schemeClr>
+                    </a:gs>
+                    <a:gs pos="100000">
+                      <a:schemeClr val="accent1">
+                        <a:tint val="40000"/>
+                        <a:satMod val="250000"/>
+                      </a:schemeClr>
+                    </a:gs>
+                  </a:gsLst>
+                  <a:lin ang="5400000"/>
+                </a:gradFill>
+              </a:rPr>
+              <a:t>Results</a:t>
+            </a:r>
+            <a:endParaRPr lang="en-US" sz="3200" b="1" dirty="0">
+              <a:ln w="10541" cmpd="sng">
+                <a:solidFill>
+                  <a:schemeClr val="accent1">
+                    <a:shade val="88000"/>
+                    <a:satMod val="110000"/>
+                  </a:schemeClr>
+                </a:solidFill>
+                <a:prstDash val="solid"/>
+              </a:ln>
+              <a:gradFill>
+                <a:gsLst>
+                  <a:gs pos="0">
+                    <a:schemeClr val="accent1">
+                      <a:tint val="40000"/>
+                      <a:satMod val="250000"/>
+                    </a:schemeClr>
+                  </a:gs>
+                  <a:gs pos="9000">
+                    <a:schemeClr val="accent1">
+                      <a:tint val="52000"/>
+                      <a:satMod val="300000"/>
+                    </a:schemeClr>
+                  </a:gs>
+                  <a:gs pos="50000">
+                    <a:schemeClr val="accent1">
+                      <a:shade val="20000"/>
+                      <a:satMod val="300000"/>
+                    </a:schemeClr>
+                  </a:gs>
+                  <a:gs pos="79000">
+                    <a:schemeClr val="accent1">
+                      <a:tint val="52000"/>
+                      <a:satMod val="300000"/>
+                    </a:schemeClr>
+                  </a:gs>
+                  <a:gs pos="100000">
+                    <a:schemeClr val="accent1">
+                      <a:tint val="40000"/>
+                      <a:satMod val="250000"/>
+                    </a:schemeClr>
+                  </a:gs>
+                </a:gsLst>
+                <a:lin ang="5400000"/>
+              </a:gradFill>
+            </a:endParaRPr>
+          </a:p>
+        </p:txBody>
+      </p:sp>
+      <p:pic>
+        <p:nvPicPr>
+          <p:cNvPr id="6" name="Content Placeholder 3"/>
+          <p:cNvPicPr>
+            <a:picLocks noGrp="1" noChangeAspect="1"/>
+          </p:cNvPicPr>
+          <p:nvPr>
+            <p:ph idx="1"/>
+          </p:nvPr>
+        </p:nvPicPr>
+        <p:blipFill>
+          <a:blip r:embed="rId2">
+            <a:extLst>
+              <a:ext uri="{28A0092B-C50C-407E-A947-70E740481C1C}">
+                <a14:useLocalDpi xmlns:a14="http://schemas.microsoft.com/office/drawing/2010/main" val="0"/>
+              </a:ext>
+            </a:extLst>
+          </a:blip>
+          <a:stretch>
+            <a:fillRect/>
+          </a:stretch>
+        </p:blipFill>
+        <p:spPr>
+          <a:xfrm>
+            <a:off x="2411760" y="1484784"/>
+            <a:ext cx="6334182" cy="4525963"/>
+          </a:xfrm>
+          <a:prstGeom prst="rect">
+            <a:avLst/>
+          </a:prstGeom>
+          <a:ln w="190500" cap="sq">
+            <a:solidFill>
+              <a:srgbClr val="C8C6BD"/>
+            </a:solidFill>
+            <a:prstDash val="solid"/>
+            <a:miter lim="800000"/>
+          </a:ln>
+          <a:effectLst>
+            <a:outerShdw blurRad="254000" algn="bl" rotWithShape="0">
+              <a:srgbClr val="000000">
+                <a:alpha val="43000"/>
+              </a:srgbClr>
+            </a:outerShdw>
+          </a:effectLst>
+          <a:scene3d>
+            <a:camera prst="perspectiveFront" fov="5400000"/>
+            <a:lightRig rig="threePt" dir="t">
+              <a:rot lat="0" lon="0" rev="2100000"/>
+            </a:lightRig>
+          </a:scene3d>
+          <a:sp3d extrusionH="25400">
+            <a:bevelT w="304800" h="152400" prst="hardEdge"/>
+            <a:extrusionClr>
+              <a:srgbClr val="000000"/>
+            </a:extrusionClr>
+          </a:sp3d>
+        </p:spPr>
+      </p:pic>
+      <p:sp>
+        <p:nvSpPr>
+          <p:cNvPr id="7" name="TextBox 6"/>
+          <p:cNvSpPr txBox="1"/>
+          <p:nvPr/>
+        </p:nvSpPr>
+        <p:spPr>
+          <a:xfrm>
+            <a:off x="179512" y="1762606"/>
+            <a:ext cx="1800200" cy="3970318"/>
+          </a:xfrm>
+          <a:prstGeom prst="rect">
+            <a:avLst/>
+          </a:prstGeom>
+          <a:noFill/>
+        </p:spPr>
+        <p:txBody>
+          <a:bodyPr wrap="square" rtlCol="0">
+            <a:spAutoFit/>
+          </a:bodyPr>
+          <a:lstStyle/>
+          <a:p>
+            <a:r>
+              <a:rPr lang="en-US" dirty="0" smtClean="0"/>
+              <a:t>Our best attempt as of turning this project in.</a:t>
+            </a:r>
+          </a:p>
+          <a:p>
+            <a:endParaRPr lang="en-US" dirty="0"/>
+          </a:p>
+          <a:p>
+            <a:r>
+              <a:rPr lang="en-US" dirty="0" smtClean="0"/>
+              <a:t>As you can see, there is some lighting effects on the walls and the box that show we are on the right path of implementing instant </a:t>
+            </a:r>
+            <a:r>
+              <a:rPr lang="en-US" dirty="0" err="1" smtClean="0"/>
+              <a:t>radiosity</a:t>
+            </a:r>
+            <a:endParaRPr lang="en-US" dirty="0"/>
+          </a:p>
+        </p:txBody>
+      </p:sp>
+    </p:spTree>
+    <p:extLst>
+      <p:ext uri="{BB962C8B-B14F-4D97-AF65-F5344CB8AC3E}">
+        <p14:creationId xmlns:p14="http://schemas.microsoft.com/office/powerpoint/2010/main" val="1139330786"/>
+      </p:ext>
+    </p:extLst>
+  </p:cSld>
+  <p:clrMapOvr>
+    <a:masterClrMapping/>
+  </p:clrMapOvr>
+  <p:timing>
+    <p:tnLst>
+      <p:par>
+        <p:cTn id="1" dur="indefinite" restart="never" nodeType="tmRoot"/>
+      </p:par>
+    </p:tnLst>
+  </p:timing>
+</p:sld>
+</file>
+
 <file path=ppt/slides/slide6.xml><?xml version="1.0" encoding="utf-8"?>
 <p:sld xmlns:a="http://schemas.openxmlformats.org/drawingml/2006/main" xmlns:r="http://schemas.openxmlformats.org/officeDocument/2006/relationships" xmlns:p="http://schemas.openxmlformats.org/presentationml/2006/main">
   <p:cSld>
@@ -4783,6 +5763,281 @@
           <a:chExt cx="0" cy="0"/>
         </a:xfrm>
       </p:grpSpPr>
+      <p:cxnSp>
+        <p:nvCxnSpPr>
+          <p:cNvPr id="4" name="直接连接符 3"/>
+          <p:cNvCxnSpPr/>
+          <p:nvPr/>
+        </p:nvCxnSpPr>
+        <p:spPr>
+          <a:xfrm>
+            <a:off x="0" y="692696"/>
+            <a:ext cx="9144000" cy="72008"/>
+          </a:xfrm>
+          <a:prstGeom prst="line">
+            <a:avLst/>
+          </a:prstGeom>
+        </p:spPr>
+        <p:style>
+          <a:lnRef idx="1">
+            <a:schemeClr val="accent1"/>
+          </a:lnRef>
+          <a:fillRef idx="0">
+            <a:schemeClr val="accent1"/>
+          </a:fillRef>
+          <a:effectRef idx="0">
+            <a:schemeClr val="accent1"/>
+          </a:effectRef>
+          <a:fontRef idx="minor">
+            <a:schemeClr val="tx1"/>
+          </a:fontRef>
+        </p:style>
+      </p:cxnSp>
+      <p:sp>
+        <p:nvSpPr>
+          <p:cNvPr id="5" name="TextBox 4"/>
+          <p:cNvSpPr txBox="1"/>
+          <p:nvPr/>
+        </p:nvSpPr>
+        <p:spPr>
+          <a:xfrm>
+            <a:off x="7380312" y="107921"/>
+            <a:ext cx="5580112" cy="584775"/>
+          </a:xfrm>
+          <a:prstGeom prst="rect">
+            <a:avLst/>
+          </a:prstGeom>
+          <a:noFill/>
+        </p:spPr>
+        <p:txBody>
+          <a:bodyPr wrap="square" rtlCol="0">
+            <a:spAutoFit/>
+          </a:bodyPr>
+          <a:lstStyle/>
+          <a:p>
+            <a:r>
+              <a:rPr lang="en-US" sz="3200" b="1" dirty="0" smtClean="0">
+                <a:ln w="10541" cmpd="sng">
+                  <a:solidFill>
+                    <a:schemeClr val="accent1">
+                      <a:shade val="88000"/>
+                      <a:satMod val="110000"/>
+                    </a:schemeClr>
+                  </a:solidFill>
+                  <a:prstDash val="solid"/>
+                </a:ln>
+                <a:gradFill>
+                  <a:gsLst>
+                    <a:gs pos="0">
+                      <a:schemeClr val="accent1">
+                        <a:tint val="40000"/>
+                        <a:satMod val="250000"/>
+                      </a:schemeClr>
+                    </a:gs>
+                    <a:gs pos="9000">
+                      <a:schemeClr val="accent1">
+                        <a:tint val="52000"/>
+                        <a:satMod val="300000"/>
+                      </a:schemeClr>
+                    </a:gs>
+                    <a:gs pos="50000">
+                      <a:schemeClr val="accent1">
+                        <a:shade val="20000"/>
+                        <a:satMod val="300000"/>
+                      </a:schemeClr>
+                    </a:gs>
+                    <a:gs pos="79000">
+                      <a:schemeClr val="accent1">
+                        <a:tint val="52000"/>
+                        <a:satMod val="300000"/>
+                      </a:schemeClr>
+                    </a:gs>
+                    <a:gs pos="100000">
+                      <a:schemeClr val="accent1">
+                        <a:tint val="40000"/>
+                        <a:satMod val="250000"/>
+                      </a:schemeClr>
+                    </a:gs>
+                  </a:gsLst>
+                  <a:lin ang="5400000"/>
+                </a:gradFill>
+              </a:rPr>
+              <a:t>Results</a:t>
+            </a:r>
+            <a:endParaRPr lang="en-US" sz="3200" b="1" dirty="0">
+              <a:ln w="10541" cmpd="sng">
+                <a:solidFill>
+                  <a:schemeClr val="accent1">
+                    <a:shade val="88000"/>
+                    <a:satMod val="110000"/>
+                  </a:schemeClr>
+                </a:solidFill>
+                <a:prstDash val="solid"/>
+              </a:ln>
+              <a:gradFill>
+                <a:gsLst>
+                  <a:gs pos="0">
+                    <a:schemeClr val="accent1">
+                      <a:tint val="40000"/>
+                      <a:satMod val="250000"/>
+                    </a:schemeClr>
+                  </a:gs>
+                  <a:gs pos="9000">
+                    <a:schemeClr val="accent1">
+                      <a:tint val="52000"/>
+                      <a:satMod val="300000"/>
+                    </a:schemeClr>
+                  </a:gs>
+                  <a:gs pos="50000">
+                    <a:schemeClr val="accent1">
+                      <a:shade val="20000"/>
+                      <a:satMod val="300000"/>
+                    </a:schemeClr>
+                  </a:gs>
+                  <a:gs pos="79000">
+                    <a:schemeClr val="accent1">
+                      <a:tint val="52000"/>
+                      <a:satMod val="300000"/>
+                    </a:schemeClr>
+                  </a:gs>
+                  <a:gs pos="100000">
+                    <a:schemeClr val="accent1">
+                      <a:tint val="40000"/>
+                      <a:satMod val="250000"/>
+                    </a:schemeClr>
+                  </a:gs>
+                </a:gsLst>
+                <a:lin ang="5400000"/>
+              </a:gradFill>
+            </a:endParaRPr>
+          </a:p>
+        </p:txBody>
+      </p:sp>
+      <p:sp>
+        <p:nvSpPr>
+          <p:cNvPr id="7" name="TextBox 6"/>
+          <p:cNvSpPr txBox="1"/>
+          <p:nvPr/>
+        </p:nvSpPr>
+        <p:spPr>
+          <a:xfrm>
+            <a:off x="395536" y="2732101"/>
+            <a:ext cx="1800200" cy="2031325"/>
+          </a:xfrm>
+          <a:prstGeom prst="rect">
+            <a:avLst/>
+          </a:prstGeom>
+          <a:noFill/>
+        </p:spPr>
+        <p:txBody>
+          <a:bodyPr wrap="square" rtlCol="0">
+            <a:spAutoFit/>
+          </a:bodyPr>
+          <a:lstStyle/>
+          <a:p>
+            <a:r>
+              <a:rPr lang="en-US" dirty="0" smtClean="0"/>
+              <a:t>This is a visualization to show the distribution of virtual point lights emitted into the scene.</a:t>
+            </a:r>
+            <a:endParaRPr lang="en-US" dirty="0"/>
+          </a:p>
+        </p:txBody>
+      </p:sp>
+      <p:pic>
+        <p:nvPicPr>
+          <p:cNvPr id="3" name="Content Placeholder 2"/>
+          <p:cNvPicPr>
+            <a:picLocks noGrp="1" noChangeAspect="1"/>
+          </p:cNvPicPr>
+          <p:nvPr>
+            <p:ph idx="1"/>
+          </p:nvPr>
+        </p:nvPicPr>
+        <p:blipFill>
+          <a:blip r:embed="rId2">
+            <a:extLst>
+              <a:ext uri="{28A0092B-C50C-407E-A947-70E740481C1C}">
+                <a14:useLocalDpi xmlns:a14="http://schemas.microsoft.com/office/drawing/2010/main" val="0"/>
+              </a:ext>
+            </a:extLst>
+          </a:blip>
+          <a:stretch>
+            <a:fillRect/>
+          </a:stretch>
+        </p:blipFill>
+        <p:spPr>
+          <a:xfrm>
+            <a:off x="2381799" y="1484783"/>
+            <a:ext cx="6366665" cy="4525963"/>
+          </a:xfrm>
+          <a:prstGeom prst="rect">
+            <a:avLst/>
+          </a:prstGeom>
+          <a:ln w="190500" cap="sq">
+            <a:solidFill>
+              <a:srgbClr val="C8C6BD"/>
+            </a:solidFill>
+            <a:prstDash val="solid"/>
+            <a:miter lim="800000"/>
+          </a:ln>
+          <a:effectLst>
+            <a:outerShdw blurRad="254000" algn="bl" rotWithShape="0">
+              <a:srgbClr val="000000">
+                <a:alpha val="43000"/>
+              </a:srgbClr>
+            </a:outerShdw>
+          </a:effectLst>
+          <a:scene3d>
+            <a:camera prst="perspectiveFront" fov="5400000"/>
+            <a:lightRig rig="threePt" dir="t">
+              <a:rot lat="0" lon="0" rev="2100000"/>
+            </a:lightRig>
+          </a:scene3d>
+          <a:sp3d extrusionH="25400">
+            <a:bevelT w="304800" h="152400" prst="hardEdge"/>
+            <a:extrusionClr>
+              <a:srgbClr val="000000"/>
+            </a:extrusionClr>
+          </a:sp3d>
+        </p:spPr>
+      </p:pic>
+    </p:spTree>
+    <p:extLst>
+      <p:ext uri="{BB962C8B-B14F-4D97-AF65-F5344CB8AC3E}">
+        <p14:creationId xmlns:p14="http://schemas.microsoft.com/office/powerpoint/2010/main" val="2115671772"/>
+      </p:ext>
+    </p:extLst>
+  </p:cSld>
+  <p:clrMapOvr>
+    <a:masterClrMapping/>
+  </p:clrMapOvr>
+  <p:timing>
+    <p:tnLst>
+      <p:par>
+        <p:cTn id="1" dur="indefinite" restart="never" nodeType="tmRoot"/>
+      </p:par>
+    </p:tnLst>
+  </p:timing>
+</p:sld>
+</file>
+
+<file path=ppt/slides/slide7.xml><?xml version="1.0" encoding="utf-8"?>
+<p:sld xmlns:a="http://schemas.openxmlformats.org/drawingml/2006/main" xmlns:r="http://schemas.openxmlformats.org/officeDocument/2006/relationships" xmlns:p="http://schemas.openxmlformats.org/presentationml/2006/main">
+  <p:cSld>
+    <p:spTree>
+      <p:nvGrpSpPr>
+        <p:cNvPr id="1" name=""/>
+        <p:cNvGrpSpPr/>
+        <p:nvPr/>
+      </p:nvGrpSpPr>
+      <p:grpSpPr>
+        <a:xfrm>
+          <a:off x="0" y="0"/>
+          <a:ext cx="0" cy="0"/>
+          <a:chOff x="0" y="0"/>
+          <a:chExt cx="0" cy="0"/>
+        </a:xfrm>
+      </p:grpSpPr>
       <p:sp>
         <p:nvSpPr>
           <p:cNvPr id="3" name="内容占位符 2"/>
@@ -4805,22 +6060,13 @@
           <a:p>
             <a:r>
               <a:rPr lang="en-US" dirty="0" smtClean="0"/>
-              <a:t>1. </a:t>
-            </a:r>
+              <a:t>1. Find a correct approach to accumulate each point’s radiance.</a:t>
+            </a:r>
+          </a:p>
+          <a:p>
             <a:r>
               <a:rPr lang="en-US" dirty="0" smtClean="0"/>
-              <a:t>Find a correct approach to accumulate each point’s radiance.</a:t>
-            </a:r>
-            <a:endParaRPr lang="en-US" dirty="0" smtClean="0"/>
-          </a:p>
-          <a:p>
-            <a:r>
-              <a:rPr lang="en-US" dirty="0" smtClean="0"/>
-              <a:t>2. </a:t>
-            </a:r>
-            <a:r>
-              <a:rPr lang="en-US" dirty="0" smtClean="0"/>
-              <a:t>Add shadow, reflection and refraction.</a:t>
+              <a:t>2. Add shadow, reflection and refraction.</a:t>
             </a:r>
           </a:p>
           <a:p>
@@ -5345,4 +6591,265 @@
   <a:objectDefaults/>
   <a:extraClrSchemeLst/>
 </a:theme>
+</file>
+
+<file path=ppt/theme/theme2.xml><?xml version="1.0" encoding="utf-8"?>
+<a:theme xmlns:a="http://schemas.openxmlformats.org/drawingml/2006/main" name="Office Theme">
+  <a:themeElements>
+    <a:clrScheme name="Office">
+      <a:dk1>
+        <a:sysClr val="windowText" lastClr="000000"/>
+      </a:dk1>
+      <a:lt1>
+        <a:sysClr val="window" lastClr="FFFFFF"/>
+      </a:lt1>
+      <a:dk2>
+        <a:srgbClr val="44546A"/>
+      </a:dk2>
+      <a:lt2>
+        <a:srgbClr val="E7E6E6"/>
+      </a:lt2>
+      <a:accent1>
+        <a:srgbClr val="5B9BD5"/>
+      </a:accent1>
+      <a:accent2>
+        <a:srgbClr val="ED7D31"/>
+      </a:accent2>
+      <a:accent3>
+        <a:srgbClr val="A5A5A5"/>
+      </a:accent3>
+      <a:accent4>
+        <a:srgbClr val="FFC000"/>
+      </a:accent4>
+      <a:accent5>
+        <a:srgbClr val="4472C4"/>
+      </a:accent5>
+      <a:accent6>
+        <a:srgbClr val="70AD47"/>
+      </a:accent6>
+      <a:hlink>
+        <a:srgbClr val="0563C1"/>
+      </a:hlink>
+      <a:folHlink>
+        <a:srgbClr val="954F72"/>
+      </a:folHlink>
+    </a:clrScheme>
+    <a:fontScheme name="Office">
+      <a:majorFont>
+        <a:latin typeface="Calibri Light" panose="020F0302020204030204"/>
+        <a:ea typeface=""/>
+        <a:cs typeface=""/>
+        <a:font script="Jpan" typeface="ＭＳ ゴシック"/>
+        <a:font script="Hang" typeface="맑은 고딕"/>
+        <a:font script="Hans" typeface="宋体"/>
+        <a:font script="Hant" typeface="新細明體"/>
+        <a:font script="Arab" typeface="Tahoma"/>
+        <a:font script="Hebr" typeface="Gisha"/>
+        <a:font script="Thai" typeface="DilleniaUPC"/>
+        <a:font script="Ethi" typeface="Nyala"/>
+        <a:font script="Beng" typeface="Vrinda"/>
+        <a:font script="Gujr" typeface="Shruti"/>
+        <a:font script="Khmr" typeface="DaunPenh"/>
+        <a:font script="Knda" typeface="Tunga"/>
+        <a:font script="Guru" typeface="Raavi"/>
+        <a:font script="Cans" typeface="Euphemia"/>
+        <a:font script="Cher" typeface="Plantagenet Cherokee"/>
+        <a:font script="Yiii" typeface="Microsoft Yi Baiti"/>
+        <a:font script="Tibt" typeface="Microsoft Himalaya"/>
+        <a:font script="Thaa" typeface="MV Boli"/>
+        <a:font script="Deva" typeface="Mangal"/>
+        <a:font script="Telu" typeface="Gautami"/>
+        <a:font script="Taml" typeface="Latha"/>
+        <a:font script="Syrc" typeface="Estrangelo Edessa"/>
+        <a:font script="Orya" typeface="Kalinga"/>
+        <a:font script="Mlym" typeface="Kartika"/>
+        <a:font script="Laoo" typeface="DokChampa"/>
+        <a:font script="Sinh" typeface="Iskoola Pota"/>
+        <a:font script="Mong" typeface="Mongolian Baiti"/>
+        <a:font script="Viet" typeface="Tahoma"/>
+        <a:font script="Uigh" typeface="Microsoft Uighur"/>
+        <a:font script="Geor" typeface="Sylfaen"/>
+      </a:majorFont>
+      <a:minorFont>
+        <a:latin typeface="Calibri" panose="020F0502020204030204"/>
+        <a:ea typeface=""/>
+        <a:cs typeface=""/>
+        <a:font script="Jpan" typeface="ＭＳ ゴシック"/>
+        <a:font script="Hang" typeface="맑은 고딕"/>
+        <a:font script="Hans" typeface="宋体"/>
+        <a:font script="Hant" typeface="新細明體"/>
+        <a:font script="Arab" typeface="Tahoma"/>
+        <a:font script="Hebr" typeface="Gisha"/>
+        <a:font script="Thai" typeface="DilleniaUPC"/>
+        <a:font script="Ethi" typeface="Nyala"/>
+        <a:font script="Beng" typeface="Vrinda"/>
+        <a:font script="Gujr" typeface="Shruti"/>
+        <a:font script="Khmr" typeface="DaunPenh"/>
+        <a:font script="Knda" typeface="Tunga"/>
+        <a:font script="Guru" typeface="Raavi"/>
+        <a:font script="Cans" typeface="Euphemia"/>
+        <a:font script="Cher" typeface="Plantagenet Cherokee"/>
+        <a:font script="Yiii" typeface="Microsoft Yi Baiti"/>
+        <a:font script="Tibt" typeface="Microsoft Himalaya"/>
+        <a:font script="Thaa" typeface="MV Boli"/>
+        <a:font script="Deva" typeface="Mangal"/>
+        <a:font script="Telu" typeface="Gautami"/>
+        <a:font script="Taml" typeface="Latha"/>
+        <a:font script="Syrc" typeface="Estrangelo Edessa"/>
+        <a:font script="Orya" typeface="Kalinga"/>
+        <a:font script="Mlym" typeface="Kartika"/>
+        <a:font script="Laoo" typeface="DokChampa"/>
+        <a:font script="Sinh" typeface="Iskoola Pota"/>
+        <a:font script="Mong" typeface="Mongolian Baiti"/>
+        <a:font script="Viet" typeface="Verdana"/>
+        <a:font script="Uigh" typeface="Microsoft Uighur"/>
+        <a:font script="Geor" typeface="Sylfaen"/>
+      </a:minorFont>
+    </a:fontScheme>
+    <a:fmtScheme name="Office">
+      <a:fillStyleLst>
+        <a:solidFill>
+          <a:schemeClr val="phClr"/>
+        </a:solidFill>
+        <a:gradFill rotWithShape="1">
+          <a:gsLst>
+            <a:gs pos="0">
+              <a:schemeClr val="phClr">
+                <a:lumMod val="110000"/>
+                <a:satMod val="105000"/>
+                <a:tint val="67000"/>
+              </a:schemeClr>
+            </a:gs>
+            <a:gs pos="50000">
+              <a:schemeClr val="phClr">
+                <a:lumMod val="105000"/>
+                <a:satMod val="103000"/>
+                <a:tint val="73000"/>
+              </a:schemeClr>
+            </a:gs>
+            <a:gs pos="100000">
+              <a:schemeClr val="phClr">
+                <a:lumMod val="105000"/>
+                <a:satMod val="109000"/>
+                <a:tint val="81000"/>
+              </a:schemeClr>
+            </a:gs>
+          </a:gsLst>
+          <a:lin ang="5400000" scaled="0"/>
+        </a:gradFill>
+        <a:gradFill rotWithShape="1">
+          <a:gsLst>
+            <a:gs pos="0">
+              <a:schemeClr val="phClr">
+                <a:satMod val="103000"/>
+                <a:lumMod val="102000"/>
+                <a:tint val="94000"/>
+              </a:schemeClr>
+            </a:gs>
+            <a:gs pos="50000">
+              <a:schemeClr val="phClr">
+                <a:satMod val="110000"/>
+                <a:lumMod val="100000"/>
+                <a:shade val="100000"/>
+              </a:schemeClr>
+            </a:gs>
+            <a:gs pos="100000">
+              <a:schemeClr val="phClr">
+                <a:lumMod val="99000"/>
+                <a:satMod val="120000"/>
+                <a:shade val="78000"/>
+              </a:schemeClr>
+            </a:gs>
+          </a:gsLst>
+          <a:lin ang="5400000" scaled="0"/>
+        </a:gradFill>
+      </a:fillStyleLst>
+      <a:lnStyleLst>
+        <a:ln w="6350" cap="flat" cmpd="sng" algn="ctr">
+          <a:solidFill>
+            <a:schemeClr val="phClr"/>
+          </a:solidFill>
+          <a:prstDash val="solid"/>
+          <a:miter lim="800000"/>
+        </a:ln>
+        <a:ln w="12700" cap="flat" cmpd="sng" algn="ctr">
+          <a:solidFill>
+            <a:schemeClr val="phClr"/>
+          </a:solidFill>
+          <a:prstDash val="solid"/>
+          <a:miter lim="800000"/>
+        </a:ln>
+        <a:ln w="19050" cap="flat" cmpd="sng" algn="ctr">
+          <a:solidFill>
+            <a:schemeClr val="phClr"/>
+          </a:solidFill>
+          <a:prstDash val="solid"/>
+          <a:miter lim="800000"/>
+        </a:ln>
+      </a:lnStyleLst>
+      <a:effectStyleLst>
+        <a:effectStyle>
+          <a:effectLst/>
+        </a:effectStyle>
+        <a:effectStyle>
+          <a:effectLst/>
+        </a:effectStyle>
+        <a:effectStyle>
+          <a:effectLst>
+            <a:outerShdw blurRad="57150" dist="19050" dir="5400000" algn="ctr" rotWithShape="0">
+              <a:srgbClr val="000000">
+                <a:alpha val="63000"/>
+              </a:srgbClr>
+            </a:outerShdw>
+          </a:effectLst>
+        </a:effectStyle>
+      </a:effectStyleLst>
+      <a:bgFillStyleLst>
+        <a:solidFill>
+          <a:schemeClr val="phClr"/>
+        </a:solidFill>
+        <a:solidFill>
+          <a:schemeClr val="phClr">
+            <a:tint val="95000"/>
+            <a:satMod val="170000"/>
+          </a:schemeClr>
+        </a:solidFill>
+        <a:gradFill rotWithShape="1">
+          <a:gsLst>
+            <a:gs pos="0">
+              <a:schemeClr val="phClr">
+                <a:tint val="93000"/>
+                <a:satMod val="150000"/>
+                <a:shade val="98000"/>
+                <a:lumMod val="102000"/>
+              </a:schemeClr>
+            </a:gs>
+            <a:gs pos="50000">
+              <a:schemeClr val="phClr">
+                <a:tint val="98000"/>
+                <a:satMod val="130000"/>
+                <a:shade val="90000"/>
+                <a:lumMod val="103000"/>
+              </a:schemeClr>
+            </a:gs>
+            <a:gs pos="100000">
+              <a:schemeClr val="phClr">
+                <a:shade val="63000"/>
+                <a:satMod val="120000"/>
+              </a:schemeClr>
+            </a:gs>
+          </a:gsLst>
+          <a:lin ang="5400000" scaled="0"/>
+        </a:gradFill>
+      </a:bgFillStyleLst>
+    </a:fmtScheme>
+  </a:themeElements>
+  <a:objectDefaults/>
+  <a:extraClrSchemeLst/>
+  <a:extLst>
+    <a:ext uri="{05A4C25C-085E-4340-85A3-A5531E510DB2}">
+      <thm15:themeFamily xmlns:thm15="http://schemas.microsoft.com/office/thememl/2012/main" name="Office Theme" id="{62F939B6-93AF-4DB8-9C6B-D6C7DFDC589F}" vid="{4A3C46E8-61CC-4603-A589-7422A47A8E4A}"/>
+    </a:ext>
+  </a:extLst>
+</a:theme>
 </file>